--- a/Leçon chimie/LC 20/LC 20-Détermination de constantes d'équilibre.pptx
+++ b/Leçon chimie/LC 20/LC 20-Détermination de constantes d'équilibre.pptx
@@ -5,14 +5,16 @@
     <p:sldMasterId id="2147483684" r:id="rId1"/>
   </p:sldMasterIdLst>
   <p:notesMasterIdLst>
-    <p:notesMasterId r:id="rId7"/>
+    <p:notesMasterId r:id="rId9"/>
   </p:notesMasterIdLst>
   <p:sldIdLst>
     <p:sldId id="269" r:id="rId2"/>
     <p:sldId id="265" r:id="rId3"/>
     <p:sldId id="264" r:id="rId4"/>
-    <p:sldId id="268" r:id="rId5"/>
-    <p:sldId id="267" r:id="rId6"/>
+    <p:sldId id="270" r:id="rId5"/>
+    <p:sldId id="271" r:id="rId6"/>
+    <p:sldId id="268" r:id="rId7"/>
+    <p:sldId id="267" r:id="rId8"/>
   </p:sldIdLst>
   <p:sldSz cx="12192000" cy="6858000"/>
   <p:notesSz cx="6858000" cy="9144000"/>
@@ -113,7 +115,7 @@
   </p:defaultTextStyle>
   <p:extLst>
     <p:ext uri="{EFAFB233-063F-42B5-8137-9DF3F51BA10A}">
-      <p15:sldGuideLst xmlns="" xmlns:p15="http://schemas.microsoft.com/office/powerpoint/2012/main"/>
+      <p15:sldGuideLst xmlns:p15="http://schemas.microsoft.com/office/powerpoint/2012/main" xmlns=""/>
     </p:ext>
   </p:extLst>
 </p:presentation>
@@ -201,7 +203,7 @@
           <a:p>
             <a:fld id="{8AF2F01C-BC14-4F81-87AE-D5D26E359E8E}" type="datetimeFigureOut">
               <a:rPr lang="fr-FR" smtClean="0"/>
-              <a:t>13/05/20</a:t>
+              <a:t>22/06/20</a:t>
             </a:fld>
             <a:endParaRPr lang="fr-FR"/>
           </a:p>
@@ -1458,7 +1460,7 @@
           <a:p>
             <a:fld id="{5FC147B3-5A91-453A-92FD-677E850FA3A5}" type="datetime1">
               <a:rPr lang="fr-FR" smtClean="0"/>
-              <a:t>13/05/20</a:t>
+              <a:t>22/06/20</a:t>
             </a:fld>
             <a:endParaRPr lang="fr-FR"/>
           </a:p>
@@ -2159,7 +2161,7 @@
           <a:p>
             <a:fld id="{62253237-6937-4077-8416-FFF866A41361}" type="datetime1">
               <a:rPr lang="fr-FR" smtClean="0"/>
-              <a:t>13/05/20</a:t>
+              <a:t>22/06/20</a:t>
             </a:fld>
             <a:endParaRPr lang="fr-FR"/>
           </a:p>
@@ -3231,7 +3233,7 @@
           <p:cNvPr id="2" name="Titre 1">
             <a:extLst>
               <a:ext uri="{FF2B5EF4-FFF2-40B4-BE49-F238E27FC236}">
-                <a16:creationId xmlns:a16="http://schemas.microsoft.com/office/drawing/2014/main" xmlns="" id="{94CF25D0-1DF7-4352-BC93-49C8418F5E97}"/>
+                <a16:creationId xmlns="" xmlns:a16="http://schemas.microsoft.com/office/drawing/2014/main" id="{94CF25D0-1DF7-4352-BC93-49C8418F5E97}"/>
               </a:ext>
             </a:extLst>
           </p:cNvPr>
@@ -3288,7 +3290,7 @@
           <p:cNvPr id="3" name="Sous-titre 2">
             <a:extLst>
               <a:ext uri="{FF2B5EF4-FFF2-40B4-BE49-F238E27FC236}">
-                <a16:creationId xmlns:a16="http://schemas.microsoft.com/office/drawing/2014/main" xmlns="" id="{720C0F4B-E921-458D-822C-99A41A8C3D3D}"/>
+                <a16:creationId xmlns="" xmlns:a16="http://schemas.microsoft.com/office/drawing/2014/main" id="{720C0F4B-E921-458D-822C-99A41A8C3D3D}"/>
               </a:ext>
             </a:extLst>
           </p:cNvPr>
@@ -3322,7 +3324,7 @@
           <p:cNvPr id="4" name="Espace réservé du numéro de diapositive 3">
             <a:extLst>
               <a:ext uri="{FF2B5EF4-FFF2-40B4-BE49-F238E27FC236}">
-                <a16:creationId xmlns:a16="http://schemas.microsoft.com/office/drawing/2014/main" xmlns="" id="{6389C604-85ED-4C1E-A449-7DB05F1675C4}"/>
+                <a16:creationId xmlns="" xmlns:a16="http://schemas.microsoft.com/office/drawing/2014/main" id="{6389C604-85ED-4C1E-A449-7DB05F1675C4}"/>
               </a:ext>
             </a:extLst>
           </p:cNvPr>
@@ -3669,7 +3671,7 @@
           <p:cNvPr id="2" name="Titre 1">
             <a:extLst>
               <a:ext uri="{FF2B5EF4-FFF2-40B4-BE49-F238E27FC236}">
-                <a16:creationId xmlns="" xmlns:a16="http://schemas.microsoft.com/office/drawing/2014/main" id="{7FA764C1-3F50-48ED-BFAA-6CCAA689F501}"/>
+                <a16:creationId xmlns:a16="http://schemas.microsoft.com/office/drawing/2014/main" xmlns="" id="{7FA764C1-3F50-48ED-BFAA-6CCAA689F501}"/>
               </a:ext>
             </a:extLst>
           </p:cNvPr>
@@ -3697,7 +3699,7 @@
           <p:cNvPr id="4" name="Espace réservé du numéro de diapositive 3">
             <a:extLst>
               <a:ext uri="{FF2B5EF4-FFF2-40B4-BE49-F238E27FC236}">
-                <a16:creationId xmlns="" xmlns:a16="http://schemas.microsoft.com/office/drawing/2014/main" id="{8C9C4742-BF7C-4EC3-BE8B-EE942AEB9E87}"/>
+                <a16:creationId xmlns:a16="http://schemas.microsoft.com/office/drawing/2014/main" xmlns="" id="{8C9C4742-BF7C-4EC3-BE8B-EE942AEB9E87}"/>
               </a:ext>
             </a:extLst>
           </p:cNvPr>
@@ -3721,75 +3723,14 @@
           </a:p>
         </p:txBody>
       </p:sp>
-      <p:sp>
-        <p:nvSpPr>
-          <p:cNvPr id="29" name="Ellipse 28">
-            <a:extLst>
-              <a:ext uri="{FF2B5EF4-FFF2-40B4-BE49-F238E27FC236}">
-                <a16:creationId xmlns="" xmlns:a16="http://schemas.microsoft.com/office/drawing/2014/main" id="{F61F2F34-4116-4DFF-8301-5D8D7DE732DE}"/>
-              </a:ext>
-            </a:extLst>
-          </p:cNvPr>
-          <p:cNvSpPr/>
-          <p:nvPr/>
-        </p:nvSpPr>
-        <p:spPr>
-          <a:xfrm>
-            <a:off x="4934276" y="1719470"/>
-            <a:ext cx="720000" cy="720000"/>
-          </a:xfrm>
-          <a:prstGeom prst="ellipse">
-            <a:avLst/>
-          </a:prstGeom>
-          <a:solidFill>
-            <a:schemeClr val="bg1"/>
-          </a:solidFill>
-          <a:ln>
-            <a:solidFill>
-              <a:schemeClr val="tx1"/>
-            </a:solidFill>
-          </a:ln>
-        </p:spPr>
-        <p:style>
-          <a:lnRef idx="2">
-            <a:schemeClr val="accent1">
-              <a:shade val="50000"/>
-            </a:schemeClr>
-          </a:lnRef>
-          <a:fillRef idx="1">
-            <a:schemeClr val="accent1"/>
-          </a:fillRef>
-          <a:effectRef idx="0">
-            <a:schemeClr val="accent1"/>
-          </a:effectRef>
-          <a:fontRef idx="minor">
-            <a:schemeClr val="lt1"/>
-          </a:fontRef>
-        </p:style>
-        <p:txBody>
-          <a:bodyPr rtlCol="0" anchor="ctr"/>
-          <a:lstStyle/>
-          <a:p>
-            <a:pPr algn="ctr"/>
-            <a:r>
-              <a:rPr lang="fr-FR" sz="3200" dirty="0">
-                <a:solidFill>
-                  <a:schemeClr val="tx1"/>
-                </a:solidFill>
-              </a:rPr>
-              <a:t>V</a:t>
-            </a:r>
-          </a:p>
-        </p:txBody>
-      </p:sp>
-      <mc:AlternateContent xmlns:mc="http://schemas.openxmlformats.org/markup-compatibility/2006" xmlns:a14="http://schemas.microsoft.com/office/drawing/2010/main">
-        <mc:Choice Requires="a14">
+      <mc:AlternateContent xmlns:mc="http://schemas.openxmlformats.org/markup-compatibility/2006">
+        <mc:Choice xmlns:a14="http://schemas.microsoft.com/office/drawing/2010/main" Requires="a14">
           <p:sp>
             <p:nvSpPr>
               <p:cNvPr id="30" name="ZoneTexte 29">
                 <a:extLst>
                   <a:ext uri="{FF2B5EF4-FFF2-40B4-BE49-F238E27FC236}">
-                    <a16:creationId xmlns="" xmlns:a16="http://schemas.microsoft.com/office/drawing/2014/main" id="{795C9BA4-9BB5-47E8-80F2-5FCEFE04DD8D}"/>
+                    <a16:creationId xmlns:a16="http://schemas.microsoft.com/office/drawing/2014/main" xmlns="" id="{795C9BA4-9BB5-47E8-80F2-5FCEFE04DD8D}"/>
                   </a:ext>
                 </a:extLst>
               </p:cNvPr>
@@ -3798,7 +3739,7 @@
             </p:nvSpPr>
             <p:spPr>
               <a:xfrm>
-                <a:off x="1745711" y="3418431"/>
+                <a:off x="7517167" y="3177306"/>
                 <a:ext cx="731098" cy="307777"/>
               </a:xfrm>
               <a:prstGeom prst="rect">
@@ -3813,7 +3754,7 @@
               <a:lstStyle/>
               <a:p>
                 <a14:m>
-                  <m:oMathPara xmlns="" xmlns:m="http://schemas.openxmlformats.org/officeDocument/2006/math">
+                  <m:oMathPara xmlns:m="http://schemas.openxmlformats.org/officeDocument/2006/math" xmlns="">
                     <m:oMathParaPr>
                       <m:jc m:val="centerGroup"/>
                     </m:oMathParaPr>
@@ -3884,13 +3825,13 @@
             </p:txBody>
           </p:sp>
         </mc:Choice>
-        <mc:Fallback xmlns="">
+        <mc:Fallback>
           <p:sp>
             <p:nvSpPr>
               <p:cNvPr id="30" name="ZoneTexte 29">
                 <a:extLst>
                   <a:ext uri="{FF2B5EF4-FFF2-40B4-BE49-F238E27FC236}">
-                    <a16:creationId xmlns:a16="http://schemas.microsoft.com/office/drawing/2014/main" id="{795C9BA4-9BB5-47E8-80F2-5FCEFE04DD8D}"/>
+                    <a16:creationId xmlns:a16="http://schemas.microsoft.com/office/drawing/2014/main" xmlns="" xmlns:a14="http://schemas.microsoft.com/office/drawing/2010/main" id="{795C9BA4-9BB5-47E8-80F2-5FCEFE04DD8D}"/>
                   </a:ext>
                 </a:extLst>
               </p:cNvPr>
@@ -3901,16 +3842,16 @@
             </p:nvSpPr>
             <p:spPr>
               <a:xfrm>
-                <a:off x="1745711" y="3418431"/>
+                <a:off x="7517167" y="3177306"/>
                 <a:ext cx="731098" cy="307777"/>
               </a:xfrm>
               <a:prstGeom prst="rect">
                 <a:avLst/>
               </a:prstGeom>
-              <a:blipFill>
-                <a:blip r:embed="rId3"/>
+              <a:blipFill rotWithShape="1">
+                <a:blip r:embed="rId2"/>
                 <a:stretch>
-                  <a:fillRect l="-7500" b="-6000"/>
+                  <a:fillRect l="-4132" t="-7843"/>
                 </a:stretch>
               </a:blipFill>
             </p:spPr>
@@ -3929,14 +3870,14 @@
           </p:sp>
         </mc:Fallback>
       </mc:AlternateContent>
-      <mc:AlternateContent xmlns:mc="http://schemas.openxmlformats.org/markup-compatibility/2006" xmlns:a14="http://schemas.microsoft.com/office/drawing/2010/main">
-        <mc:Choice Requires="a14">
+      <mc:AlternateContent xmlns:mc="http://schemas.openxmlformats.org/markup-compatibility/2006">
+        <mc:Choice xmlns:a14="http://schemas.microsoft.com/office/drawing/2010/main" Requires="a14">
           <p:sp>
             <p:nvSpPr>
               <p:cNvPr id="31" name="ZoneTexte 30">
                 <a:extLst>
                   <a:ext uri="{FF2B5EF4-FFF2-40B4-BE49-F238E27FC236}">
-                    <a16:creationId xmlns="" xmlns:a16="http://schemas.microsoft.com/office/drawing/2014/main" id="{0BBB6007-23BA-4D63-BE27-CC23552E179D}"/>
+                    <a16:creationId xmlns:a16="http://schemas.microsoft.com/office/drawing/2014/main" xmlns="" id="{0BBB6007-23BA-4D63-BE27-CC23552E179D}"/>
                   </a:ext>
                 </a:extLst>
               </p:cNvPr>
@@ -3945,7 +3886,7 @@
             </p:nvSpPr>
             <p:spPr>
               <a:xfrm>
-                <a:off x="8159493" y="3418430"/>
+                <a:off x="1986125" y="3257680"/>
                 <a:ext cx="734304" cy="307777"/>
               </a:xfrm>
               <a:prstGeom prst="rect">
@@ -3960,7 +3901,7 @@
               <a:lstStyle/>
               <a:p>
                 <a14:m>
-                  <m:oMathPara xmlns="" xmlns:m="http://schemas.openxmlformats.org/officeDocument/2006/math">
+                  <m:oMathPara xmlns:m="http://schemas.openxmlformats.org/officeDocument/2006/math" xmlns="">
                     <m:oMathParaPr>
                       <m:jc m:val="centerGroup"/>
                     </m:oMathParaPr>
@@ -4031,13 +3972,13 @@
             </p:txBody>
           </p:sp>
         </mc:Choice>
-        <mc:Fallback xmlns="">
+        <mc:Fallback>
           <p:sp>
             <p:nvSpPr>
               <p:cNvPr id="31" name="ZoneTexte 30">
                 <a:extLst>
                   <a:ext uri="{FF2B5EF4-FFF2-40B4-BE49-F238E27FC236}">
-                    <a16:creationId xmlns:a16="http://schemas.microsoft.com/office/drawing/2014/main" id="{0BBB6007-23BA-4D63-BE27-CC23552E179D}"/>
+                    <a16:creationId xmlns:a16="http://schemas.microsoft.com/office/drawing/2014/main" xmlns="" xmlns:a14="http://schemas.microsoft.com/office/drawing/2010/main" id="{0BBB6007-23BA-4D63-BE27-CC23552E179D}"/>
                   </a:ext>
                 </a:extLst>
               </p:cNvPr>
@@ -4048,16 +3989,16 @@
             </p:nvSpPr>
             <p:spPr>
               <a:xfrm>
-                <a:off x="8159493" y="3418430"/>
+                <a:off x="1986125" y="3257680"/>
                 <a:ext cx="734304" cy="307777"/>
               </a:xfrm>
               <a:prstGeom prst="rect">
                 <a:avLst/>
               </a:prstGeom>
-              <a:blipFill>
-                <a:blip r:embed="rId4"/>
+              <a:blipFill rotWithShape="1">
+                <a:blip r:embed="rId3"/>
                 <a:stretch>
-                  <a:fillRect l="-7438" b="-6000"/>
+                  <a:fillRect l="-3279" t="-7843"/>
                 </a:stretch>
               </a:blipFill>
             </p:spPr>
@@ -4081,7 +4022,7 @@
           <p:cNvPr id="37" name="Connecteur droit avec flèche 36">
             <a:extLst>
               <a:ext uri="{FF2B5EF4-FFF2-40B4-BE49-F238E27FC236}">
-                <a16:creationId xmlns="" xmlns:a16="http://schemas.microsoft.com/office/drawing/2014/main" id="{FAC3C3DD-9354-4D43-A67B-C9AE3C44E0D2}"/>
+                <a16:creationId xmlns:a16="http://schemas.microsoft.com/office/drawing/2014/main" xmlns="" id="{FAC3C3DD-9354-4D43-A67B-C9AE3C44E0D2}"/>
               </a:ext>
             </a:extLst>
           </p:cNvPr>
@@ -4090,8 +4031,8 @@
         </p:nvCxnSpPr>
         <p:spPr>
           <a:xfrm>
-            <a:off x="2616375" y="5159606"/>
-            <a:ext cx="1224000" cy="0"/>
+            <a:off x="2255930" y="4854181"/>
+            <a:ext cx="690915" cy="0"/>
           </a:xfrm>
           <a:prstGeom prst="straightConnector1">
             <a:avLst/>
@@ -4123,7 +4064,7 @@
           <p:cNvPr id="38" name="Connecteur droit avec flèche 37">
             <a:extLst>
               <a:ext uri="{FF2B5EF4-FFF2-40B4-BE49-F238E27FC236}">
-                <a16:creationId xmlns="" xmlns:a16="http://schemas.microsoft.com/office/drawing/2014/main" id="{88D93A3D-1AC0-4D47-9304-BE027D2F763E}"/>
+                <a16:creationId xmlns:a16="http://schemas.microsoft.com/office/drawing/2014/main" xmlns="" id="{88D93A3D-1AC0-4D47-9304-BE027D2F763E}"/>
               </a:ext>
             </a:extLst>
           </p:cNvPr>
@@ -4134,8 +4075,8 @@
         </p:nvCxnSpPr>
         <p:spPr>
           <a:xfrm flipH="1">
-            <a:off x="6935493" y="5177918"/>
-            <a:ext cx="1224000" cy="0"/>
+            <a:off x="7312184" y="4840343"/>
+            <a:ext cx="760007" cy="0"/>
           </a:xfrm>
           <a:prstGeom prst="straightConnector1">
             <a:avLst/>
@@ -4167,7 +4108,7 @@
           <p:cNvPr id="40" name="Connecteur droit avec flèche 39">
             <a:extLst>
               <a:ext uri="{FF2B5EF4-FFF2-40B4-BE49-F238E27FC236}">
-                <a16:creationId xmlns="" xmlns:a16="http://schemas.microsoft.com/office/drawing/2014/main" id="{053FA9A8-A970-483A-9242-92BCF39D9BF9}"/>
+                <a16:creationId xmlns:a16="http://schemas.microsoft.com/office/drawing/2014/main" xmlns="" id="{053FA9A8-A970-483A-9242-92BCF39D9BF9}"/>
               </a:ext>
             </a:extLst>
           </p:cNvPr>
@@ -4211,7 +4152,7 @@
           <p:cNvPr id="43" name="Connecteur droit 42">
             <a:extLst>
               <a:ext uri="{FF2B5EF4-FFF2-40B4-BE49-F238E27FC236}">
-                <a16:creationId xmlns="" xmlns:a16="http://schemas.microsoft.com/office/drawing/2014/main" id="{3190E92A-AD02-46E4-AF14-675BB4E67497}"/>
+                <a16:creationId xmlns:a16="http://schemas.microsoft.com/office/drawing/2014/main" xmlns="" id="{3190E92A-AD02-46E4-AF14-675BB4E67497}"/>
               </a:ext>
             </a:extLst>
           </p:cNvPr>
@@ -4248,7 +4189,7 @@
           <p:cNvPr id="44" name="Connecteur droit 43">
             <a:extLst>
               <a:ext uri="{FF2B5EF4-FFF2-40B4-BE49-F238E27FC236}">
-                <a16:creationId xmlns="" xmlns:a16="http://schemas.microsoft.com/office/drawing/2014/main" id="{97B00E22-64B0-4C92-AAA7-D1B50B994BFF}"/>
+                <a16:creationId xmlns:a16="http://schemas.microsoft.com/office/drawing/2014/main" xmlns="" id="{97B00E22-64B0-4C92-AAA7-D1B50B994BFF}"/>
               </a:ext>
             </a:extLst>
           </p:cNvPr>
@@ -4287,7 +4228,7 @@
               <p:cNvPr id="45" name="ZoneTexte 44">
                 <a:extLst>
                   <a:ext uri="{FF2B5EF4-FFF2-40B4-BE49-F238E27FC236}">
-                    <a16:creationId xmlns="" xmlns:a16="http://schemas.microsoft.com/office/drawing/2014/main" id="{A13AB44E-074F-47F4-B050-AC7DC6DAB9D6}"/>
+                    <a16:creationId xmlns:a16="http://schemas.microsoft.com/office/drawing/2014/main" xmlns="" id="{A13AB44E-074F-47F4-B050-AC7DC6DAB9D6}"/>
                   </a:ext>
                 </a:extLst>
               </p:cNvPr>
@@ -4311,7 +4252,7 @@
               <a:lstStyle/>
               <a:p>
                 <a14:m>
-                  <m:oMathPara xmlns="" xmlns:m="http://schemas.openxmlformats.org/officeDocument/2006/math">
+                  <m:oMathPara xmlns:m="http://schemas.openxmlformats.org/officeDocument/2006/math" xmlns="">
                     <m:oMathParaPr>
                       <m:jc m:val="centerGroup"/>
                     </m:oMathParaPr>
@@ -4385,7 +4326,7 @@
               <p:cNvPr id="48" name="ZoneTexte 47">
                 <a:extLst>
                   <a:ext uri="{FF2B5EF4-FFF2-40B4-BE49-F238E27FC236}">
-                    <a16:creationId xmlns="" xmlns:a16="http://schemas.microsoft.com/office/drawing/2014/main" id="{4E00C233-DB86-4F1D-9723-AA2B0F8D16E7}"/>
+                    <a16:creationId xmlns:a16="http://schemas.microsoft.com/office/drawing/2014/main" xmlns="" id="{4E00C233-DB86-4F1D-9723-AA2B0F8D16E7}"/>
                   </a:ext>
                 </a:extLst>
               </p:cNvPr>
@@ -4409,7 +4350,7 @@
               <a:lstStyle/>
               <a:p>
                 <a14:m>
-                  <m:oMathPara xmlns="" xmlns:m="http://schemas.openxmlformats.org/officeDocument/2006/math">
+                  <m:oMathPara xmlns:m="http://schemas.openxmlformats.org/officeDocument/2006/math" xmlns="">
                     <m:oMathParaPr>
                       <m:jc m:val="centerGroup"/>
                     </m:oMathParaPr>
@@ -4483,7 +4424,7 @@
               <p:cNvPr id="49" name="ZoneTexte 48">
                 <a:extLst>
                   <a:ext uri="{FF2B5EF4-FFF2-40B4-BE49-F238E27FC236}">
-                    <a16:creationId xmlns="" xmlns:a16="http://schemas.microsoft.com/office/drawing/2014/main" id="{465069D7-06B7-4565-8DF3-5BC78CF6D384}"/>
+                    <a16:creationId xmlns:a16="http://schemas.microsoft.com/office/drawing/2014/main" xmlns="" id="{465069D7-06B7-4565-8DF3-5BC78CF6D384}"/>
                   </a:ext>
                 </a:extLst>
               </p:cNvPr>
@@ -4507,7 +4448,7 @@
               <a:lstStyle/>
               <a:p>
                 <a14:m>
-                  <m:oMathPara xmlns="" xmlns:m="http://schemas.openxmlformats.org/officeDocument/2006/math">
+                  <m:oMathPara xmlns:m="http://schemas.openxmlformats.org/officeDocument/2006/math" xmlns="">
                     <m:oMathParaPr>
                       <m:jc m:val="centerGroup"/>
                     </m:oMathParaPr>
@@ -4578,7 +4519,7 @@
               <p:cNvPr id="50" name="ZoneTexte 49">
                 <a:extLst>
                   <a:ext uri="{FF2B5EF4-FFF2-40B4-BE49-F238E27FC236}">
-                    <a16:creationId xmlns="" xmlns:a16="http://schemas.microsoft.com/office/drawing/2014/main" id="{789EA4D0-A094-446D-8B0A-D5FEC3B5F1D5}"/>
+                    <a16:creationId xmlns:a16="http://schemas.microsoft.com/office/drawing/2014/main" xmlns="" id="{789EA4D0-A094-446D-8B0A-D5FEC3B5F1D5}"/>
                   </a:ext>
                 </a:extLst>
               </p:cNvPr>
@@ -4602,7 +4543,7 @@
               <a:lstStyle/>
               <a:p>
                 <a14:m>
-                  <m:oMathPara xmlns="" xmlns:m="http://schemas.openxmlformats.org/officeDocument/2006/math">
+                  <m:oMathPara xmlns:m="http://schemas.openxmlformats.org/officeDocument/2006/math" xmlns="">
                     <m:oMathParaPr>
                       <m:jc m:val="centerGroup"/>
                     </m:oMathParaPr>
@@ -4671,7 +4612,7 @@
           <p:cNvPr id="55" name="Connecteur droit avec flèche 54">
             <a:extLst>
               <a:ext uri="{FF2B5EF4-FFF2-40B4-BE49-F238E27FC236}">
-                <a16:creationId xmlns="" xmlns:a16="http://schemas.microsoft.com/office/drawing/2014/main" id="{7439B40A-F1B7-4EF7-809D-9AAFC23DA0EF}"/>
+                <a16:creationId xmlns:a16="http://schemas.microsoft.com/office/drawing/2014/main" xmlns="" id="{7439B40A-F1B7-4EF7-809D-9AAFC23DA0EF}"/>
               </a:ext>
             </a:extLst>
           </p:cNvPr>
@@ -4680,8 +4621,8 @@
         </p:nvCxnSpPr>
         <p:spPr>
           <a:xfrm flipV="1">
-            <a:off x="3840375" y="2119895"/>
-            <a:ext cx="393695" cy="138499"/>
+            <a:off x="3832859" y="1792496"/>
+            <a:ext cx="183662" cy="85996"/>
           </a:xfrm>
           <a:prstGeom prst="straightConnector1">
             <a:avLst/>
@@ -4708,146 +4649,12 @@
           </a:fontRef>
         </p:style>
       </p:cxnSp>
-      <mc:AlternateContent xmlns:mc="http://schemas.openxmlformats.org/markup-compatibility/2006" xmlns:a14="http://schemas.microsoft.com/office/drawing/2010/main">
-        <mc:Choice Requires="a14">
-          <p:sp>
-            <p:nvSpPr>
-              <p:cNvPr id="56" name="Rectangle 55">
-                <a:extLst>
-                  <a:ext uri="{FF2B5EF4-FFF2-40B4-BE49-F238E27FC236}">
-                    <a16:creationId xmlns="" xmlns:a16="http://schemas.microsoft.com/office/drawing/2014/main" id="{65DDE0E4-405D-4419-82B0-CFB488BC2970}"/>
-                  </a:ext>
-                </a:extLst>
-              </p:cNvPr>
-              <p:cNvSpPr/>
-              <p:nvPr/>
-            </p:nvSpPr>
-            <p:spPr>
-              <a:xfrm>
-                <a:off x="3615989" y="1842146"/>
-                <a:ext cx="495136" cy="369332"/>
-              </a:xfrm>
-              <a:prstGeom prst="rect">
-                <a:avLst/>
-              </a:prstGeom>
-              <a:ln>
-                <a:noFill/>
-              </a:ln>
-            </p:spPr>
-            <p:txBody>
-              <a:bodyPr wrap="none">
-                <a:spAutoFit/>
-              </a:bodyPr>
-              <a:lstStyle/>
-              <a:p>
-                <a14:m>
-                  <m:oMathPara xmlns="" xmlns:m="http://schemas.openxmlformats.org/officeDocument/2006/math">
-                    <m:oMathParaPr>
-                      <m:jc m:val="centerGroup"/>
-                    </m:oMathParaPr>
-                    <m:oMath xmlns:m="http://schemas.openxmlformats.org/officeDocument/2006/math">
-                      <m:sSup>
-                        <m:sSupPr>
-                          <m:ctrlPr>
-                            <a:rPr lang="fr-FR" i="1" smtClean="0">
-                              <a:solidFill>
-                                <a:srgbClr val="C00000"/>
-                              </a:solidFill>
-                              <a:latin typeface="Cambria Math" panose="02040503050406030204" pitchFamily="18" charset="0"/>
-                            </a:rPr>
-                          </m:ctrlPr>
-                        </m:sSupPr>
-                        <m:e>
-                          <m:r>
-                            <a:rPr lang="fr-FR" i="1">
-                              <a:solidFill>
-                                <a:srgbClr val="C00000"/>
-                              </a:solidFill>
-                              <a:latin typeface="Cambria Math" panose="02040503050406030204" pitchFamily="18" charset="0"/>
-                            </a:rPr>
-                            <m:t>𝑒</m:t>
-                          </m:r>
-                        </m:e>
-                        <m:sup>
-                          <m:r>
-                            <a:rPr lang="fr-FR" i="1">
-                              <a:solidFill>
-                                <a:srgbClr val="C00000"/>
-                              </a:solidFill>
-                              <a:latin typeface="Cambria Math" panose="02040503050406030204" pitchFamily="18" charset="0"/>
-                            </a:rPr>
-                            <m:t>−</m:t>
-                          </m:r>
-                        </m:sup>
-                      </m:sSup>
-                    </m:oMath>
-                  </m:oMathPara>
-                </a14:m>
-                <a:endParaRPr lang="fr-FR" dirty="0">
-                  <a:solidFill>
-                    <a:schemeClr val="accent1">
-                      <a:lumMod val="75000"/>
-                    </a:schemeClr>
-                  </a:solidFill>
-                </a:endParaRPr>
-              </a:p>
-            </p:txBody>
-          </p:sp>
-        </mc:Choice>
-        <mc:Fallback xmlns="">
-          <p:sp>
-            <p:nvSpPr>
-              <p:cNvPr id="56" name="Rectangle 55">
-                <a:extLst>
-                  <a:ext uri="{FF2B5EF4-FFF2-40B4-BE49-F238E27FC236}">
-                    <a16:creationId xmlns:a16="http://schemas.microsoft.com/office/drawing/2014/main" id="{65DDE0E4-405D-4419-82B0-CFB488BC2970}"/>
-                  </a:ext>
-                </a:extLst>
-              </p:cNvPr>
-              <p:cNvSpPr>
-                <a:spLocks noRot="1" noChangeAspect="1" noMove="1" noResize="1" noEditPoints="1" noAdjustHandles="1" noChangeArrowheads="1" noChangeShapeType="1" noTextEdit="1"/>
-              </p:cNvSpPr>
-              <p:nvPr/>
-            </p:nvSpPr>
-            <p:spPr>
-              <a:xfrm>
-                <a:off x="3615989" y="1842146"/>
-                <a:ext cx="495136" cy="369332"/>
-              </a:xfrm>
-              <a:prstGeom prst="rect">
-                <a:avLst/>
-              </a:prstGeom>
-              <a:blipFill>
-                <a:blip r:embed="rId16"/>
-                <a:stretch>
-                  <a:fillRect/>
-                </a:stretch>
-              </a:blipFill>
-              <a:ln>
-                <a:noFill/>
-              </a:ln>
-            </p:spPr>
-            <p:txBody>
-              <a:bodyPr/>
-              <a:lstStyle/>
-              <a:p>
-                <a:r>
-                  <a:rPr lang="fr-FR">
-                    <a:noFill/>
-                  </a:rPr>
-                  <a:t> </a:t>
-                </a:r>
-              </a:p>
-            </p:txBody>
-          </p:sp>
-        </mc:Fallback>
-      </mc:AlternateContent>
       <p:cxnSp>
         <p:nvCxnSpPr>
           <p:cNvPr id="57" name="Connecteur droit avec flèche 56">
             <a:extLst>
               <a:ext uri="{FF2B5EF4-FFF2-40B4-BE49-F238E27FC236}">
-                <a16:creationId xmlns="" xmlns:a16="http://schemas.microsoft.com/office/drawing/2014/main" id="{14F5ADE6-5189-4812-8CD1-AA2E8C962734}"/>
+                <a16:creationId xmlns:a16="http://schemas.microsoft.com/office/drawing/2014/main" xmlns="" id="{14F5ADE6-5189-4812-8CD1-AA2E8C962734}"/>
               </a:ext>
             </a:extLst>
           </p:cNvPr>
@@ -4858,8 +4665,8 @@
         </p:nvCxnSpPr>
         <p:spPr>
           <a:xfrm flipH="1" flipV="1">
-            <a:off x="6365018" y="2100802"/>
-            <a:ext cx="393695" cy="138499"/>
+            <a:off x="6107166" y="1682852"/>
+            <a:ext cx="202028" cy="138499"/>
           </a:xfrm>
           <a:prstGeom prst="straightConnector1">
             <a:avLst/>
@@ -4886,14 +4693,14 @@
           </a:fontRef>
         </p:style>
       </p:cxnSp>
-      <mc:AlternateContent xmlns:mc="http://schemas.openxmlformats.org/markup-compatibility/2006" xmlns:a14="http://schemas.microsoft.com/office/drawing/2010/main">
-        <mc:Choice Requires="a14">
+      <mc:AlternateContent xmlns:mc="http://schemas.openxmlformats.org/markup-compatibility/2006">
+        <mc:Choice xmlns:a14="http://schemas.microsoft.com/office/drawing/2010/main" Requires="a14">
           <p:sp>
             <p:nvSpPr>
               <p:cNvPr id="58" name="Rectangle 57">
                 <a:extLst>
                   <a:ext uri="{FF2B5EF4-FFF2-40B4-BE49-F238E27FC236}">
-                    <a16:creationId xmlns="" xmlns:a16="http://schemas.microsoft.com/office/drawing/2014/main" id="{5AF755F1-6524-49FA-8A80-85D56A3C20B6}"/>
+                    <a16:creationId xmlns:a16="http://schemas.microsoft.com/office/drawing/2014/main" xmlns="" id="{5AF755F1-6524-49FA-8A80-85D56A3C20B6}"/>
                   </a:ext>
                 </a:extLst>
               </p:cNvPr>
@@ -4902,7 +4709,7 @@
             </p:nvSpPr>
             <p:spPr>
               <a:xfrm flipH="1">
-                <a:off x="6452604" y="1703691"/>
+                <a:off x="3542752" y="1542941"/>
                 <a:ext cx="333040" cy="369332"/>
               </a:xfrm>
               <a:prstGeom prst="rect">
@@ -4919,7 +4726,7 @@
               <a:lstStyle/>
               <a:p>
                 <a14:m>
-                  <m:oMathPara xmlns="" xmlns:m="http://schemas.openxmlformats.org/officeDocument/2006/math">
+                  <m:oMathPara xmlns:m="http://schemas.openxmlformats.org/officeDocument/2006/math" xmlns="">
                     <m:oMathParaPr>
                       <m:jc m:val="centerGroup"/>
                     </m:oMathParaPr>
@@ -4945,13 +4752,13 @@
             </p:txBody>
           </p:sp>
         </mc:Choice>
-        <mc:Fallback xmlns="">
+        <mc:Fallback>
           <p:sp>
             <p:nvSpPr>
               <p:cNvPr id="58" name="Rectangle 57">
                 <a:extLst>
                   <a:ext uri="{FF2B5EF4-FFF2-40B4-BE49-F238E27FC236}">
-                    <a16:creationId xmlns:a16="http://schemas.microsoft.com/office/drawing/2014/main" id="{5AF755F1-6524-49FA-8A80-85D56A3C20B6}"/>
+                    <a16:creationId xmlns:a16="http://schemas.microsoft.com/office/drawing/2014/main" xmlns="" xmlns:a14="http://schemas.microsoft.com/office/drawing/2010/main" id="{5AF755F1-6524-49FA-8A80-85D56A3C20B6}"/>
                   </a:ext>
                 </a:extLst>
               </p:cNvPr>
@@ -4962,14 +4769,14 @@
             </p:nvSpPr>
             <p:spPr>
               <a:xfrm flipH="1">
-                <a:off x="6452604" y="1703691"/>
+                <a:off x="3542752" y="1542941"/>
                 <a:ext cx="333040" cy="369332"/>
               </a:xfrm>
               <a:prstGeom prst="rect">
                 <a:avLst/>
               </a:prstGeom>
-              <a:blipFill>
-                <a:blip r:embed="rId17"/>
+              <a:blipFill rotWithShape="1">
+                <a:blip r:embed="rId9"/>
                 <a:stretch>
                   <a:fillRect/>
                 </a:stretch>
@@ -5238,7 +5045,7 @@
         </p:nvSpPr>
         <p:spPr>
           <a:xfrm>
-            <a:off x="565559" y="4925848"/>
+            <a:off x="8121505" y="4652572"/>
             <a:ext cx="1636235" cy="369332"/>
           </a:xfrm>
           <a:prstGeom prst="rect">
@@ -5308,7 +5115,7 @@
         </p:nvSpPr>
         <p:spPr>
           <a:xfrm>
-            <a:off x="8353740" y="5001750"/>
+            <a:off x="637030" y="4632025"/>
             <a:ext cx="1651226" cy="369332"/>
           </a:xfrm>
           <a:prstGeom prst="rect">
@@ -5378,7 +5185,7 @@
         </p:nvSpPr>
         <p:spPr>
           <a:xfrm>
-            <a:off x="2769692" y="5706712"/>
+            <a:off x="5518770" y="5336986"/>
             <a:ext cx="2090724" cy="369332"/>
           </a:xfrm>
           <a:prstGeom prst="rect">
@@ -5428,7 +5235,7 @@
         </p:nvSpPr>
         <p:spPr>
           <a:xfrm>
-            <a:off x="5860730" y="5706713"/>
+            <a:off x="2806199" y="5304837"/>
             <a:ext cx="2119127" cy="369332"/>
           </a:xfrm>
           <a:prstGeom prst="rect">
@@ -5479,7 +5286,7 @@
           <p:cNvPr id="28" name="Groupe 27">
             <a:extLst>
               <a:ext uri="{FF2B5EF4-FFF2-40B4-BE49-F238E27FC236}">
-                <a16:creationId xmlns="" xmlns:a16="http://schemas.microsoft.com/office/drawing/2014/main" id="{BB4D88E1-FCB2-44B7-9864-7B209DB209FF}"/>
+                <a16:creationId xmlns:a16="http://schemas.microsoft.com/office/drawing/2014/main" xmlns="" id="{BB4D88E1-FCB2-44B7-9864-7B209DB209FF}"/>
               </a:ext>
             </a:extLst>
           </p:cNvPr>
@@ -5487,9 +5294,9 @@
           <p:nvPr/>
         </p:nvGrpSpPr>
         <p:grpSpPr>
-          <a:xfrm>
-            <a:off x="2703443" y="2011239"/>
-            <a:ext cx="5227983" cy="3604371"/>
+          <a:xfrm flipH="1">
+            <a:off x="2893767" y="1593289"/>
+            <a:ext cx="4504008" cy="3604371"/>
             <a:chOff x="4556049" y="2017021"/>
             <a:chExt cx="3079902" cy="2644431"/>
           </a:xfrm>
@@ -5499,7 +5306,7 @@
             <p:cNvPr id="5" name="Grouper 72">
               <a:extLst>
                 <a:ext uri="{FF2B5EF4-FFF2-40B4-BE49-F238E27FC236}">
-                  <a16:creationId xmlns="" xmlns:a16="http://schemas.microsoft.com/office/drawing/2014/main" id="{A202EA2D-4407-4D4D-B3BE-95D33E98D843}"/>
+                  <a16:creationId xmlns:a16="http://schemas.microsoft.com/office/drawing/2014/main" xmlns="" id="{A202EA2D-4407-4D4D-B3BE-95D33E98D843}"/>
                 </a:ext>
               </a:extLst>
             </p:cNvPr>
@@ -5519,7 +5326,7 @@
               <p:cNvPr id="6" name="Grouper 53">
                 <a:extLst>
                   <a:ext uri="{FF2B5EF4-FFF2-40B4-BE49-F238E27FC236}">
-                    <a16:creationId xmlns="" xmlns:a16="http://schemas.microsoft.com/office/drawing/2014/main" id="{DA135CFB-4758-4C21-BD4B-D6EEF4717F7C}"/>
+                    <a16:creationId xmlns:a16="http://schemas.microsoft.com/office/drawing/2014/main" xmlns="" id="{DA135CFB-4758-4C21-BD4B-D6EEF4717F7C}"/>
                   </a:ext>
                 </a:extLst>
               </p:cNvPr>
@@ -5539,7 +5346,7 @@
                 <p:cNvPr id="20" name="Grouper 4">
                   <a:extLst>
                     <a:ext uri="{FF2B5EF4-FFF2-40B4-BE49-F238E27FC236}">
-                      <a16:creationId xmlns="" xmlns:a16="http://schemas.microsoft.com/office/drawing/2014/main" id="{31FC1740-0FBB-41D6-8849-C48B015F07BF}"/>
+                      <a16:creationId xmlns:a16="http://schemas.microsoft.com/office/drawing/2014/main" xmlns="" id="{31FC1740-0FBB-41D6-8849-C48B015F07BF}"/>
                     </a:ext>
                   </a:extLst>
                 </p:cNvPr>
@@ -5559,7 +5366,7 @@
                   <p:cNvPr id="23" name="Grouper 5">
                     <a:extLst>
                       <a:ext uri="{FF2B5EF4-FFF2-40B4-BE49-F238E27FC236}">
-                        <a16:creationId xmlns="" xmlns:a16="http://schemas.microsoft.com/office/drawing/2014/main" id="{86B3CACE-32A6-46B6-97E2-1C18AA761089}"/>
+                        <a16:creationId xmlns:a16="http://schemas.microsoft.com/office/drawing/2014/main" xmlns="" id="{86B3CACE-32A6-46B6-97E2-1C18AA761089}"/>
                       </a:ext>
                     </a:extLst>
                   </p:cNvPr>
@@ -5579,7 +5386,7 @@
                     <p:cNvPr id="25" name="Arrondir un rectangle avec un coin du même côté 6">
                       <a:extLst>
                         <a:ext uri="{FF2B5EF4-FFF2-40B4-BE49-F238E27FC236}">
-                          <a16:creationId xmlns="" xmlns:a16="http://schemas.microsoft.com/office/drawing/2014/main" id="{1C8F0698-6B1D-4DAF-868E-1E2FBBC7A5FF}"/>
+                          <a16:creationId xmlns:a16="http://schemas.microsoft.com/office/drawing/2014/main" xmlns="" id="{1C8F0698-6B1D-4DAF-868E-1E2FBBC7A5FF}"/>
                         </a:ext>
                       </a:extLst>
                     </p:cNvPr>
@@ -5634,7 +5441,7 @@
                     <p:cNvPr id="26" name="Arrondir un rectangle avec un coin du même côté 7">
                       <a:extLst>
                         <a:ext uri="{FF2B5EF4-FFF2-40B4-BE49-F238E27FC236}">
-                          <a16:creationId xmlns="" xmlns:a16="http://schemas.microsoft.com/office/drawing/2014/main" id="{2DA3F8E4-1C44-499D-9AEB-1BB90F820AE3}"/>
+                          <a16:creationId xmlns:a16="http://schemas.microsoft.com/office/drawing/2014/main" xmlns="" id="{2DA3F8E4-1C44-499D-9AEB-1BB90F820AE3}"/>
                         </a:ext>
                       </a:extLst>
                     </p:cNvPr>
@@ -5690,7 +5497,7 @@
                   <p:cNvPr id="24" name="Rectangle 23">
                     <a:extLst>
                       <a:ext uri="{FF2B5EF4-FFF2-40B4-BE49-F238E27FC236}">
-                        <a16:creationId xmlns="" xmlns:a16="http://schemas.microsoft.com/office/drawing/2014/main" id="{4CBCED75-6148-46D2-8971-106C30CC0235}"/>
+                        <a16:creationId xmlns:a16="http://schemas.microsoft.com/office/drawing/2014/main" xmlns="" id="{4CBCED75-6148-46D2-8971-106C30CC0235}"/>
                       </a:ext>
                     </a:extLst>
                   </p:cNvPr>
@@ -5748,7 +5555,7 @@
                 <p:cNvPr id="21" name="Parallélogramme 20">
                   <a:extLst>
                     <a:ext uri="{FF2B5EF4-FFF2-40B4-BE49-F238E27FC236}">
-                      <a16:creationId xmlns="" xmlns:a16="http://schemas.microsoft.com/office/drawing/2014/main" id="{69415B2E-A509-49D6-A2F6-1402515B3907}"/>
+                      <a16:creationId xmlns:a16="http://schemas.microsoft.com/office/drawing/2014/main" xmlns="" id="{69415B2E-A509-49D6-A2F6-1402515B3907}"/>
                     </a:ext>
                   </a:extLst>
                 </p:cNvPr>
@@ -5809,7 +5616,7 @@
                 <p:cNvPr id="22" name="Arrondir un rectangle avec un coin du même côté 9">
                   <a:extLst>
                     <a:ext uri="{FF2B5EF4-FFF2-40B4-BE49-F238E27FC236}">
-                      <a16:creationId xmlns="" xmlns:a16="http://schemas.microsoft.com/office/drawing/2014/main" id="{1127C11A-B900-4AD6-B9BC-7100C10F71C6}"/>
+                      <a16:creationId xmlns:a16="http://schemas.microsoft.com/office/drawing/2014/main" xmlns="" id="{1127C11A-B900-4AD6-B9BC-7100C10F71C6}"/>
                     </a:ext>
                   </a:extLst>
                 </p:cNvPr>
@@ -5865,7 +5672,7 @@
               <p:cNvPr id="7" name="Grouper 281">
                 <a:extLst>
                   <a:ext uri="{FF2B5EF4-FFF2-40B4-BE49-F238E27FC236}">
-                    <a16:creationId xmlns="" xmlns:a16="http://schemas.microsoft.com/office/drawing/2014/main" id="{C33B2AD9-9539-48AE-A093-C878859D3106}"/>
+                    <a16:creationId xmlns:a16="http://schemas.microsoft.com/office/drawing/2014/main" xmlns="" id="{C33B2AD9-9539-48AE-A093-C878859D3106}"/>
                   </a:ext>
                 </a:extLst>
               </p:cNvPr>
@@ -5885,7 +5692,7 @@
                 <p:cNvPr id="13" name="Grouper 12">
                   <a:extLst>
                     <a:ext uri="{FF2B5EF4-FFF2-40B4-BE49-F238E27FC236}">
-                      <a16:creationId xmlns="" xmlns:a16="http://schemas.microsoft.com/office/drawing/2014/main" id="{3D746E92-73D3-43D7-B693-0993C1B460A2}"/>
+                      <a16:creationId xmlns:a16="http://schemas.microsoft.com/office/drawing/2014/main" xmlns="" id="{3D746E92-73D3-43D7-B693-0993C1B460A2}"/>
                     </a:ext>
                   </a:extLst>
                 </p:cNvPr>
@@ -5905,7 +5712,7 @@
                   <p:cNvPr id="16" name="Grouper 13">
                     <a:extLst>
                       <a:ext uri="{FF2B5EF4-FFF2-40B4-BE49-F238E27FC236}">
-                        <a16:creationId xmlns="" xmlns:a16="http://schemas.microsoft.com/office/drawing/2014/main" id="{DA2004BF-4FA2-47E3-84FF-971EF5BFD7FA}"/>
+                        <a16:creationId xmlns:a16="http://schemas.microsoft.com/office/drawing/2014/main" xmlns="" id="{DA2004BF-4FA2-47E3-84FF-971EF5BFD7FA}"/>
                       </a:ext>
                     </a:extLst>
                   </p:cNvPr>
@@ -5925,7 +5732,7 @@
                     <p:cNvPr id="18" name="Arrondir un rectangle avec un coin du même côté 14">
                       <a:extLst>
                         <a:ext uri="{FF2B5EF4-FFF2-40B4-BE49-F238E27FC236}">
-                          <a16:creationId xmlns="" xmlns:a16="http://schemas.microsoft.com/office/drawing/2014/main" id="{8E6EF582-D19C-4B6F-AC1E-07D03CD8F7EC}"/>
+                          <a16:creationId xmlns:a16="http://schemas.microsoft.com/office/drawing/2014/main" xmlns="" id="{8E6EF582-D19C-4B6F-AC1E-07D03CD8F7EC}"/>
                         </a:ext>
                       </a:extLst>
                     </p:cNvPr>
@@ -5980,7 +5787,7 @@
                     <p:cNvPr id="19" name="Arrondir un rectangle avec un coin du même côté 15">
                       <a:extLst>
                         <a:ext uri="{FF2B5EF4-FFF2-40B4-BE49-F238E27FC236}">
-                          <a16:creationId xmlns="" xmlns:a16="http://schemas.microsoft.com/office/drawing/2014/main" id="{508D8214-D51B-483A-9ED5-B50787EDB9E7}"/>
+                          <a16:creationId xmlns:a16="http://schemas.microsoft.com/office/drawing/2014/main" xmlns="" id="{508D8214-D51B-483A-9ED5-B50787EDB9E7}"/>
                         </a:ext>
                       </a:extLst>
                     </p:cNvPr>
@@ -6036,7 +5843,7 @@
                   <p:cNvPr id="17" name="Rectangle 16">
                     <a:extLst>
                       <a:ext uri="{FF2B5EF4-FFF2-40B4-BE49-F238E27FC236}">
-                        <a16:creationId xmlns="" xmlns:a16="http://schemas.microsoft.com/office/drawing/2014/main" id="{38BF33BF-D592-4830-ABBA-C1D4D5F6BDA8}"/>
+                        <a16:creationId xmlns:a16="http://schemas.microsoft.com/office/drawing/2014/main" xmlns="" id="{38BF33BF-D592-4830-ABBA-C1D4D5F6BDA8}"/>
                       </a:ext>
                     </a:extLst>
                   </p:cNvPr>
@@ -6094,7 +5901,7 @@
                 <p:cNvPr id="14" name="Parallélogramme 13">
                   <a:extLst>
                     <a:ext uri="{FF2B5EF4-FFF2-40B4-BE49-F238E27FC236}">
-                      <a16:creationId xmlns="" xmlns:a16="http://schemas.microsoft.com/office/drawing/2014/main" id="{130E23F7-DA95-402B-B6C0-D91F8ED7FCE9}"/>
+                      <a16:creationId xmlns:a16="http://schemas.microsoft.com/office/drawing/2014/main" xmlns="" id="{130E23F7-DA95-402B-B6C0-D91F8ED7FCE9}"/>
                     </a:ext>
                   </a:extLst>
                 </p:cNvPr>
@@ -6153,7 +5960,7 @@
                 <p:cNvPr id="15" name="Arrondir un rectangle avec un coin du même côté 22">
                   <a:extLst>
                     <a:ext uri="{FF2B5EF4-FFF2-40B4-BE49-F238E27FC236}">
-                      <a16:creationId xmlns="" xmlns:a16="http://schemas.microsoft.com/office/drawing/2014/main" id="{DD216D5B-2A58-4066-B5A8-8DAC3DB5BED9}"/>
+                      <a16:creationId xmlns:a16="http://schemas.microsoft.com/office/drawing/2014/main" xmlns="" id="{DD216D5B-2A58-4066-B5A8-8DAC3DB5BED9}"/>
                     </a:ext>
                   </a:extLst>
                 </p:cNvPr>
@@ -6209,7 +6016,7 @@
               <p:cNvPr id="8" name="Parenthèse ouvrante 7">
                 <a:extLst>
                   <a:ext uri="{FF2B5EF4-FFF2-40B4-BE49-F238E27FC236}">
-                    <a16:creationId xmlns="" xmlns:a16="http://schemas.microsoft.com/office/drawing/2014/main" id="{0431182B-A8E0-4BB6-B3B0-602FF986A3FD}"/>
+                    <a16:creationId xmlns:a16="http://schemas.microsoft.com/office/drawing/2014/main" xmlns="" id="{0431182B-A8E0-4BB6-B3B0-602FF986A3FD}"/>
                   </a:ext>
                 </a:extLst>
               </p:cNvPr>
@@ -6265,7 +6072,7 @@
               <p:cNvPr id="9" name="Arc 8">
                 <a:extLst>
                   <a:ext uri="{FF2B5EF4-FFF2-40B4-BE49-F238E27FC236}">
-                    <a16:creationId xmlns="" xmlns:a16="http://schemas.microsoft.com/office/drawing/2014/main" id="{9EC8006C-D010-426F-8DD3-8EC6935779F3}"/>
+                    <a16:creationId xmlns:a16="http://schemas.microsoft.com/office/drawing/2014/main" xmlns="" id="{9EC8006C-D010-426F-8DD3-8EC6935779F3}"/>
                   </a:ext>
                 </a:extLst>
               </p:cNvPr>
@@ -6319,7 +6126,7 @@
               <p:cNvPr id="10" name="Arc 9">
                 <a:extLst>
                   <a:ext uri="{FF2B5EF4-FFF2-40B4-BE49-F238E27FC236}">
-                    <a16:creationId xmlns="" xmlns:a16="http://schemas.microsoft.com/office/drawing/2014/main" id="{0BF40D42-B09B-464F-9F09-EB633C4F50DC}"/>
+                    <a16:creationId xmlns:a16="http://schemas.microsoft.com/office/drawing/2014/main" xmlns="" id="{0BF40D42-B09B-464F-9F09-EB633C4F50DC}"/>
                   </a:ext>
                 </a:extLst>
               </p:cNvPr>
@@ -6374,7 +6181,7 @@
             <p:cNvPr id="27" name="Arrondir un rectangle avec un coin du même côté 9">
               <a:extLst>
                 <a:ext uri="{FF2B5EF4-FFF2-40B4-BE49-F238E27FC236}">
-                  <a16:creationId xmlns="" xmlns:a16="http://schemas.microsoft.com/office/drawing/2014/main" id="{B9A67EB7-1F1F-4A43-BF9C-9B90BEBEA048}"/>
+                  <a16:creationId xmlns:a16="http://schemas.microsoft.com/office/drawing/2014/main" xmlns="" id="{B9A67EB7-1F1F-4A43-BF9C-9B90BEBEA048}"/>
                 </a:ext>
               </a:extLst>
             </p:cNvPr>
@@ -6431,6 +6238,228 @@
           </p:txBody>
         </p:sp>
       </p:grpSp>
+      <p:sp>
+        <p:nvSpPr>
+          <p:cNvPr id="29" name="Ellipse 28">
+            <a:extLst>
+              <a:ext uri="{FF2B5EF4-FFF2-40B4-BE49-F238E27FC236}">
+                <a16:creationId xmlns:a16="http://schemas.microsoft.com/office/drawing/2014/main" xmlns="" id="{F61F2F34-4116-4DFF-8301-5D8D7DE732DE}"/>
+              </a:ext>
+            </a:extLst>
+          </p:cNvPr>
+          <p:cNvSpPr/>
+          <p:nvPr/>
+        </p:nvSpPr>
+        <p:spPr>
+          <a:xfrm>
+            <a:off x="4388879" y="932350"/>
+            <a:ext cx="1265397" cy="1296000"/>
+          </a:xfrm>
+          <a:prstGeom prst="ellipse">
+            <a:avLst/>
+          </a:prstGeom>
+          <a:solidFill>
+            <a:srgbClr val="FFFFFF"/>
+          </a:solidFill>
+          <a:ln>
+            <a:solidFill>
+              <a:schemeClr val="tx1"/>
+            </a:solidFill>
+          </a:ln>
+        </p:spPr>
+        <p:style>
+          <a:lnRef idx="2">
+            <a:schemeClr val="accent1">
+              <a:shade val="50000"/>
+            </a:schemeClr>
+          </a:lnRef>
+          <a:fillRef idx="1">
+            <a:schemeClr val="accent1"/>
+          </a:fillRef>
+          <a:effectRef idx="0">
+            <a:schemeClr val="accent1"/>
+          </a:effectRef>
+          <a:fontRef idx="minor">
+            <a:schemeClr val="lt1"/>
+          </a:fontRef>
+        </p:style>
+        <p:txBody>
+          <a:bodyPr rtlCol="0" anchor="ctr"/>
+          <a:lstStyle/>
+          <a:p>
+            <a:pPr algn="ctr"/>
+            <a:r>
+              <a:rPr lang="fr-FR" sz="2000" dirty="0" smtClean="0">
+                <a:solidFill>
+                  <a:schemeClr val="tx1"/>
+                </a:solidFill>
+              </a:rPr>
+              <a:t>∆V = 1,1V</a:t>
+            </a:r>
+            <a:endParaRPr lang="fr-FR" sz="2000" dirty="0">
+              <a:solidFill>
+                <a:schemeClr val="tx1"/>
+              </a:solidFill>
+            </a:endParaRPr>
+          </a:p>
+        </p:txBody>
+      </p:sp>
+      <p:sp>
+        <p:nvSpPr>
+          <p:cNvPr id="3" name="ZoneTexte 2"/>
+          <p:cNvSpPr txBox="1"/>
+          <p:nvPr/>
+        </p:nvSpPr>
+        <p:spPr>
+          <a:xfrm>
+            <a:off x="6205521" y="1446751"/>
+            <a:ext cx="346632" cy="369332"/>
+          </a:xfrm>
+          <a:prstGeom prst="rect">
+            <a:avLst/>
+          </a:prstGeom>
+          <a:noFill/>
+        </p:spPr>
+        <p:txBody>
+          <a:bodyPr wrap="none" rtlCol="0">
+            <a:spAutoFit/>
+          </a:bodyPr>
+          <a:lstStyle/>
+          <a:p>
+            <a:r>
+              <a:rPr lang="fr-FR" dirty="0"/>
+              <a:t>e</a:t>
+            </a:r>
+            <a:r>
+              <a:rPr lang="fr-FR" baseline="30000" dirty="0" smtClean="0"/>
+              <a:t>-</a:t>
+            </a:r>
+            <a:endParaRPr lang="fr-FR" dirty="0"/>
+          </a:p>
+        </p:txBody>
+      </p:sp>
+      <p:sp>
+        <p:nvSpPr>
+          <p:cNvPr id="12" name="ZoneTexte 11"/>
+          <p:cNvSpPr txBox="1"/>
+          <p:nvPr/>
+        </p:nvSpPr>
+        <p:spPr>
+          <a:xfrm>
+            <a:off x="5674998" y="1253851"/>
+            <a:ext cx="657940" cy="369332"/>
+          </a:xfrm>
+          <a:prstGeom prst="rect">
+            <a:avLst/>
+          </a:prstGeom>
+          <a:noFill/>
+        </p:spPr>
+        <p:txBody>
+          <a:bodyPr wrap="none" rtlCol="0">
+            <a:spAutoFit/>
+          </a:bodyPr>
+          <a:lstStyle/>
+          <a:p>
+            <a:r>
+              <a:rPr lang="fr-FR" dirty="0" smtClean="0"/>
+              <a:t>COM</a:t>
+            </a:r>
+            <a:endParaRPr lang="fr-FR" dirty="0"/>
+          </a:p>
+        </p:txBody>
+      </p:sp>
+      <p:sp>
+        <p:nvSpPr>
+          <p:cNvPr id="32" name="Ellipse 31"/>
+          <p:cNvSpPr/>
+          <p:nvPr/>
+        </p:nvSpPr>
+        <p:spPr>
+          <a:xfrm>
+            <a:off x="4292420" y="1543201"/>
+            <a:ext cx="176841" cy="192900"/>
+          </a:xfrm>
+          <a:prstGeom prst="ellipse">
+            <a:avLst/>
+          </a:prstGeom>
+          <a:solidFill>
+            <a:srgbClr val="FF0000"/>
+          </a:solidFill>
+          <a:ln>
+            <a:solidFill>
+              <a:srgbClr val="FF0000"/>
+            </a:solidFill>
+          </a:ln>
+        </p:spPr>
+        <p:style>
+          <a:lnRef idx="1">
+            <a:schemeClr val="accent1"/>
+          </a:lnRef>
+          <a:fillRef idx="3">
+            <a:schemeClr val="accent1"/>
+          </a:fillRef>
+          <a:effectRef idx="2">
+            <a:schemeClr val="accent1"/>
+          </a:effectRef>
+          <a:fontRef idx="minor">
+            <a:schemeClr val="lt1"/>
+          </a:fontRef>
+        </p:style>
+        <p:txBody>
+          <a:bodyPr rtlCol="0" anchor="ctr"/>
+          <a:lstStyle/>
+          <a:p>
+            <a:pPr algn="ctr"/>
+            <a:endParaRPr lang="fr-FR"/>
+          </a:p>
+        </p:txBody>
+      </p:sp>
+      <p:sp>
+        <p:nvSpPr>
+          <p:cNvPr id="59" name="Ellipse 58"/>
+          <p:cNvSpPr/>
+          <p:nvPr/>
+        </p:nvSpPr>
+        <p:spPr>
+          <a:xfrm>
+            <a:off x="5570140" y="1518776"/>
+            <a:ext cx="176841" cy="192900"/>
+          </a:xfrm>
+          <a:prstGeom prst="ellipse">
+            <a:avLst/>
+          </a:prstGeom>
+          <a:solidFill>
+            <a:schemeClr val="tx1"/>
+          </a:solidFill>
+          <a:ln>
+            <a:solidFill>
+              <a:srgbClr val="000000"/>
+            </a:solidFill>
+          </a:ln>
+        </p:spPr>
+        <p:style>
+          <a:lnRef idx="1">
+            <a:schemeClr val="accent1"/>
+          </a:lnRef>
+          <a:fillRef idx="3">
+            <a:schemeClr val="accent1"/>
+          </a:fillRef>
+          <a:effectRef idx="2">
+            <a:schemeClr val="accent1"/>
+          </a:effectRef>
+          <a:fontRef idx="minor">
+            <a:schemeClr val="lt1"/>
+          </a:fontRef>
+        </p:style>
+        <p:txBody>
+          <a:bodyPr rtlCol="0" anchor="ctr"/>
+          <a:lstStyle/>
+          <a:p>
+            <a:pPr algn="ctr"/>
+            <a:endParaRPr lang="fr-FR"/>
+          </a:p>
+        </p:txBody>
+      </p:sp>
     </p:spTree>
     <p:extLst>
       <p:ext uri="{BB962C8B-B14F-4D97-AF65-F5344CB8AC3E}">
@@ -6466,7 +6495,7 @@
           <p:cNvPr id="2" name="Titre 1">
             <a:extLst>
               <a:ext uri="{FF2B5EF4-FFF2-40B4-BE49-F238E27FC236}">
-                <a16:creationId xmlns="" xmlns:a16="http://schemas.microsoft.com/office/drawing/2014/main" id="{F362C895-2D91-41F6-8F9F-5350AE8096F2}"/>
+                <a16:creationId xmlns:a16="http://schemas.microsoft.com/office/drawing/2014/main" xmlns="" id="{F362C895-2D91-41F6-8F9F-5350AE8096F2}"/>
               </a:ext>
             </a:extLst>
           </p:cNvPr>
@@ -6501,7 +6530,7 @@
           <p:cNvPr id="4" name="Espace réservé du numéro de diapositive 3">
             <a:extLst>
               <a:ext uri="{FF2B5EF4-FFF2-40B4-BE49-F238E27FC236}">
-                <a16:creationId xmlns="" xmlns:a16="http://schemas.microsoft.com/office/drawing/2014/main" id="{F0C405D1-6B07-4F81-806B-1809C7E3D18B}"/>
+                <a16:creationId xmlns:a16="http://schemas.microsoft.com/office/drawing/2014/main" xmlns="" id="{F0C405D1-6B07-4F81-806B-1809C7E3D18B}"/>
               </a:ext>
             </a:extLst>
           </p:cNvPr>
@@ -6530,7 +6559,7 @@
           <p:cNvPr id="8" name="Picture 2" descr="RÃ©sultat de recherche d'images pour &quot;schÃ©ma dosage pH mÃ©trique&quot;">
             <a:extLst>
               <a:ext uri="{FF2B5EF4-FFF2-40B4-BE49-F238E27FC236}">
-                <a16:creationId xmlns="" xmlns:a16="http://schemas.microsoft.com/office/drawing/2014/main" id="{4A4BB564-CC8C-478C-9CB8-ED422947562A}"/>
+                <a16:creationId xmlns:a16="http://schemas.microsoft.com/office/drawing/2014/main" xmlns="" id="{4A4BB564-CC8C-478C-9CB8-ED422947562A}"/>
               </a:ext>
             </a:extLst>
           </p:cNvPr>
@@ -6577,7 +6606,7 @@
           <p:cNvPr id="16" name="Grouper 444">
             <a:extLst>
               <a:ext uri="{FF2B5EF4-FFF2-40B4-BE49-F238E27FC236}">
-                <a16:creationId xmlns="" xmlns:a16="http://schemas.microsoft.com/office/drawing/2014/main" id="{AEC54AE2-A3C9-4E44-BA7F-082F3ECED6F3}"/>
+                <a16:creationId xmlns:a16="http://schemas.microsoft.com/office/drawing/2014/main" xmlns="" id="{AEC54AE2-A3C9-4E44-BA7F-082F3ECED6F3}"/>
               </a:ext>
             </a:extLst>
           </p:cNvPr>
@@ -6597,7 +6626,7 @@
             <p:cNvPr id="17" name="Arrondir un rectangle avec un coin du même côté 49">
               <a:extLst>
                 <a:ext uri="{FF2B5EF4-FFF2-40B4-BE49-F238E27FC236}">
-                  <a16:creationId xmlns="" xmlns:a16="http://schemas.microsoft.com/office/drawing/2014/main" id="{32ABA185-F8B3-48A5-B263-9F580B14ECF3}"/>
+                  <a16:creationId xmlns:a16="http://schemas.microsoft.com/office/drawing/2014/main" xmlns="" id="{32ABA185-F8B3-48A5-B263-9F580B14ECF3}"/>
                 </a:ext>
               </a:extLst>
             </p:cNvPr>
@@ -6658,7 +6687,7 @@
             <p:cNvPr id="18" name="Grouper 441">
               <a:extLst>
                 <a:ext uri="{FF2B5EF4-FFF2-40B4-BE49-F238E27FC236}">
-                  <a16:creationId xmlns="" xmlns:a16="http://schemas.microsoft.com/office/drawing/2014/main" id="{879151D6-946F-4ECA-8E97-D55D9DB7DC66}"/>
+                  <a16:creationId xmlns:a16="http://schemas.microsoft.com/office/drawing/2014/main" xmlns="" id="{879151D6-946F-4ECA-8E97-D55D9DB7DC66}"/>
                 </a:ext>
               </a:extLst>
             </p:cNvPr>
@@ -6678,7 +6707,7 @@
               <p:cNvPr id="19" name="Arrondir un rectangle avec un coin du même côté 442">
                 <a:extLst>
                   <a:ext uri="{FF2B5EF4-FFF2-40B4-BE49-F238E27FC236}">
-                    <a16:creationId xmlns="" xmlns:a16="http://schemas.microsoft.com/office/drawing/2014/main" id="{EEB39DA7-20AC-405C-87A7-17DF97D14098}"/>
+                    <a16:creationId xmlns:a16="http://schemas.microsoft.com/office/drawing/2014/main" xmlns="" id="{EEB39DA7-20AC-405C-87A7-17DF97D14098}"/>
                   </a:ext>
                 </a:extLst>
               </p:cNvPr>
@@ -6733,7 +6762,7 @@
               <p:cNvPr id="20" name="Rectangle 19">
                 <a:extLst>
                   <a:ext uri="{FF2B5EF4-FFF2-40B4-BE49-F238E27FC236}">
-                    <a16:creationId xmlns="" xmlns:a16="http://schemas.microsoft.com/office/drawing/2014/main" id="{3E9CF19E-3512-4DDC-9C5A-8A730EEF2EEA}"/>
+                    <a16:creationId xmlns:a16="http://schemas.microsoft.com/office/drawing/2014/main" xmlns="" id="{3E9CF19E-3512-4DDC-9C5A-8A730EEF2EEA}"/>
                   </a:ext>
                 </a:extLst>
               </p:cNvPr>
@@ -6792,7 +6821,7 @@
           <p:cNvPr id="21" name="Forme libre 1">
             <a:extLst>
               <a:ext uri="{FF2B5EF4-FFF2-40B4-BE49-F238E27FC236}">
-                <a16:creationId xmlns="" xmlns:a16="http://schemas.microsoft.com/office/drawing/2014/main" id="{F5B26606-95CD-4026-8BBD-1F37D70A8AB4}"/>
+                <a16:creationId xmlns:a16="http://schemas.microsoft.com/office/drawing/2014/main" xmlns="" id="{F5B26606-95CD-4026-8BBD-1F37D70A8AB4}"/>
               </a:ext>
             </a:extLst>
           </p:cNvPr>
@@ -8512,7 +8541,7 @@
           <p:cNvPr id="22" name="Forme libre 1">
             <a:extLst>
               <a:ext uri="{FF2B5EF4-FFF2-40B4-BE49-F238E27FC236}">
-                <a16:creationId xmlns="" xmlns:a16="http://schemas.microsoft.com/office/drawing/2014/main" id="{4DC4D77A-16A4-439B-9399-0FB2A93DAFBD}"/>
+                <a16:creationId xmlns:a16="http://schemas.microsoft.com/office/drawing/2014/main" xmlns="" id="{4DC4D77A-16A4-439B-9399-0FB2A93DAFBD}"/>
               </a:ext>
             </a:extLst>
           </p:cNvPr>
@@ -10232,7 +10261,7 @@
           <p:cNvPr id="23" name="Triangle isocèle 22">
             <a:extLst>
               <a:ext uri="{FF2B5EF4-FFF2-40B4-BE49-F238E27FC236}">
-                <a16:creationId xmlns="" xmlns:a16="http://schemas.microsoft.com/office/drawing/2014/main" id="{3B5CE0DF-C14D-485B-BDE7-9EA3B63A3FF9}"/>
+                <a16:creationId xmlns:a16="http://schemas.microsoft.com/office/drawing/2014/main" xmlns="" id="{3B5CE0DF-C14D-485B-BDE7-9EA3B63A3FF9}"/>
               </a:ext>
             </a:extLst>
           </p:cNvPr>
@@ -10288,7 +10317,7 @@
           <p:cNvPr id="24" name="Flèche : demi-tour 23">
             <a:extLst>
               <a:ext uri="{FF2B5EF4-FFF2-40B4-BE49-F238E27FC236}">
-                <a16:creationId xmlns="" xmlns:a16="http://schemas.microsoft.com/office/drawing/2014/main" id="{ADE0E6AF-D5E6-45CF-8A2A-488544A770EF}"/>
+                <a16:creationId xmlns:a16="http://schemas.microsoft.com/office/drawing/2014/main" xmlns="" id="{ADE0E6AF-D5E6-45CF-8A2A-488544A770EF}"/>
               </a:ext>
             </a:extLst>
           </p:cNvPr>
@@ -10354,7 +10383,7 @@
               <p:cNvPr id="25" name="ZoneTexte 24">
                 <a:extLst>
                   <a:ext uri="{FF2B5EF4-FFF2-40B4-BE49-F238E27FC236}">
-                    <a16:creationId xmlns="" xmlns:a16="http://schemas.microsoft.com/office/drawing/2014/main" id="{2E6C1861-FE6C-4103-B53F-C22BABC941D3}"/>
+                    <a16:creationId xmlns:a16="http://schemas.microsoft.com/office/drawing/2014/main" xmlns="" id="{2E6C1861-FE6C-4103-B53F-C22BABC941D3}"/>
                   </a:ext>
                 </a:extLst>
               </p:cNvPr>
@@ -10382,7 +10411,7 @@
                   <a:t>Prélèvement de </a:t>
                 </a:r>
                 <a14:m>
-                  <m:oMath xmlns="" xmlns:m="http://schemas.openxmlformats.org/officeDocument/2006/math">
+                  <m:oMath xmlns:m="http://schemas.openxmlformats.org/officeDocument/2006/math" xmlns="">
                     <m:r>
                       <a:rPr lang="fr-FR" b="0" i="1" smtClean="0">
                         <a:latin typeface="Cambria Math" panose="02040503050406030204" pitchFamily="18" charset="0"/>
@@ -10464,7 +10493,7 @@
           <p:cNvPr id="3" name="ZoneTexte 2">
             <a:extLst>
               <a:ext uri="{FF2B5EF4-FFF2-40B4-BE49-F238E27FC236}">
-                <a16:creationId xmlns="" xmlns:a16="http://schemas.microsoft.com/office/drawing/2014/main" id="{9CF70585-0416-4B79-AB97-D40AF367324E}"/>
+                <a16:creationId xmlns:a16="http://schemas.microsoft.com/office/drawing/2014/main" xmlns="" id="{9CF70585-0416-4B79-AB97-D40AF367324E}"/>
               </a:ext>
             </a:extLst>
           </p:cNvPr>
@@ -10503,8 +10532,8 @@
         </p:nvSpPr>
         <p:spPr>
           <a:xfrm>
-            <a:off x="5692403" y="2019533"/>
-            <a:ext cx="2351926" cy="923330"/>
+            <a:off x="5917467" y="2019533"/>
+            <a:ext cx="2133918" cy="923330"/>
           </a:xfrm>
           <a:prstGeom prst="rect">
             <a:avLst/>
@@ -10545,15 +10574,23 @@
             </a:r>
             <a:r>
               <a:rPr lang="fr-FR" dirty="0" smtClean="0"/>
-              <a:t>, C=2x10</a:t>
+              <a:t>, C</a:t>
+            </a:r>
+            <a:r>
+              <a:rPr lang="fr-FR" dirty="0" smtClean="0"/>
+              <a:t>=10</a:t>
             </a:r>
             <a:r>
               <a:rPr lang="fr-FR" baseline="30000" dirty="0" smtClean="0"/>
-              <a:t>-2</a:t>
+              <a:t>-1</a:t>
             </a:r>
             <a:r>
               <a:rPr lang="fr-FR" dirty="0" smtClean="0"/>
-              <a:t> mol/L</a:t>
+              <a:t> </a:t>
+            </a:r>
+            <a:r>
+              <a:rPr lang="fr-FR" dirty="0" smtClean="0"/>
+              <a:t>mol/L</a:t>
             </a:r>
           </a:p>
           <a:p>
@@ -10784,6 +10821,1090 @@
             <p:ph type="title"/>
           </p:nvPr>
         </p:nvSpPr>
+        <p:spPr>
+          <a:xfrm>
+            <a:off x="277379" y="158003"/>
+            <a:ext cx="10058400" cy="732591"/>
+          </a:xfrm>
+        </p:spPr>
+        <p:txBody>
+          <a:bodyPr/>
+          <a:lstStyle/>
+          <a:p>
+            <a:r>
+              <a:rPr lang="fr-FR" dirty="0" smtClean="0"/>
+              <a:t>Résultats de la simulation</a:t>
+            </a:r>
+            <a:endParaRPr lang="fr-FR" dirty="0"/>
+          </a:p>
+        </p:txBody>
+      </p:sp>
+      <p:sp>
+        <p:nvSpPr>
+          <p:cNvPr id="4" name="Espace réservé du numéro de diapositive 3"/>
+          <p:cNvSpPr>
+            <a:spLocks noGrp="1"/>
+          </p:cNvSpPr>
+          <p:nvPr>
+            <p:ph type="sldNum" sz="quarter" idx="12"/>
+          </p:nvPr>
+        </p:nvSpPr>
+        <p:spPr>
+          <a:xfrm>
+            <a:off x="10623900" y="6347260"/>
+            <a:ext cx="1312025" cy="365125"/>
+          </a:xfrm>
+        </p:spPr>
+        <p:txBody>
+          <a:bodyPr/>
+          <a:lstStyle/>
+          <a:p>
+            <a:fld id="{5BA00AD0-89FA-4358-AFE4-0A4CF2693EF1}" type="slidenum">
+              <a:rPr lang="fr-FR" smtClean="0"/>
+              <a:t>4</a:t>
+            </a:fld>
+            <a:endParaRPr lang="fr-FR" dirty="0"/>
+          </a:p>
+        </p:txBody>
+      </p:sp>
+      <p:pic>
+        <p:nvPicPr>
+          <p:cNvPr id="5" name="Image 4" descr="Capture d-ecran -6-.png"/>
+          <p:cNvPicPr>
+            <a:picLocks noChangeAspect="1"/>
+          </p:cNvPicPr>
+          <p:nvPr/>
+        </p:nvPicPr>
+        <p:blipFill rotWithShape="1">
+          <a:blip r:embed="rId2">
+            <a:extLst>
+              <a:ext uri="{28A0092B-C50C-407E-A947-70E740481C1C}">
+                <a14:useLocalDpi xmlns:a14="http://schemas.microsoft.com/office/drawing/2010/main" val="0"/>
+              </a:ext>
+            </a:extLst>
+          </a:blip>
+          <a:srcRect l="1137" t="17354" r="533" b="6472"/>
+          <a:stretch/>
+        </p:blipFill>
+        <p:spPr>
+          <a:xfrm>
+            <a:off x="739517" y="925897"/>
+            <a:ext cx="9501200" cy="5520182"/>
+          </a:xfrm>
+          <a:prstGeom prst="rect">
+            <a:avLst/>
+          </a:prstGeom>
+        </p:spPr>
+      </p:pic>
+      <p:cxnSp>
+        <p:nvCxnSpPr>
+          <p:cNvPr id="6" name="Connecteur droit 5"/>
+          <p:cNvCxnSpPr/>
+          <p:nvPr/>
+        </p:nvCxnSpPr>
+        <p:spPr>
+          <a:xfrm flipV="1">
+            <a:off x="-273260" y="-263167"/>
+            <a:ext cx="6098399" cy="5079877"/>
+          </a:xfrm>
+          <a:prstGeom prst="line">
+            <a:avLst/>
+          </a:prstGeom>
+          <a:ln>
+            <a:solidFill>
+              <a:srgbClr val="000000"/>
+            </a:solidFill>
+          </a:ln>
+        </p:spPr>
+        <p:style>
+          <a:lnRef idx="2">
+            <a:schemeClr val="accent1"/>
+          </a:lnRef>
+          <a:fillRef idx="0">
+            <a:schemeClr val="accent1"/>
+          </a:fillRef>
+          <a:effectRef idx="1">
+            <a:schemeClr val="accent1"/>
+          </a:effectRef>
+          <a:fontRef idx="minor">
+            <a:schemeClr val="tx1"/>
+          </a:fontRef>
+        </p:style>
+      </p:cxnSp>
+      <p:cxnSp>
+        <p:nvCxnSpPr>
+          <p:cNvPr id="7" name="Connecteur droit 6"/>
+          <p:cNvCxnSpPr/>
+          <p:nvPr/>
+        </p:nvCxnSpPr>
+        <p:spPr>
+          <a:xfrm flipV="1">
+            <a:off x="493690" y="1698212"/>
+            <a:ext cx="6098399" cy="5079877"/>
+          </a:xfrm>
+          <a:prstGeom prst="line">
+            <a:avLst/>
+          </a:prstGeom>
+          <a:ln>
+            <a:solidFill>
+              <a:srgbClr val="000000"/>
+            </a:solidFill>
+          </a:ln>
+        </p:spPr>
+        <p:style>
+          <a:lnRef idx="2">
+            <a:schemeClr val="accent1"/>
+          </a:lnRef>
+          <a:fillRef idx="0">
+            <a:schemeClr val="accent1"/>
+          </a:fillRef>
+          <a:effectRef idx="1">
+            <a:schemeClr val="accent1"/>
+          </a:effectRef>
+          <a:fontRef idx="minor">
+            <a:schemeClr val="tx1"/>
+          </a:fontRef>
+        </p:style>
+      </p:cxnSp>
+      <p:cxnSp>
+        <p:nvCxnSpPr>
+          <p:cNvPr id="8" name="Connecteur droit 7"/>
+          <p:cNvCxnSpPr/>
+          <p:nvPr/>
+        </p:nvCxnSpPr>
+        <p:spPr>
+          <a:xfrm>
+            <a:off x="3770794" y="888976"/>
+            <a:ext cx="1779535" cy="2243065"/>
+          </a:xfrm>
+          <a:prstGeom prst="line">
+            <a:avLst/>
+          </a:prstGeom>
+          <a:ln>
+            <a:solidFill>
+              <a:srgbClr val="000000"/>
+            </a:solidFill>
+            <a:prstDash val="dash"/>
+          </a:ln>
+        </p:spPr>
+        <p:style>
+          <a:lnRef idx="2">
+            <a:schemeClr val="accent1"/>
+          </a:lnRef>
+          <a:fillRef idx="0">
+            <a:schemeClr val="accent1"/>
+          </a:fillRef>
+          <a:effectRef idx="1">
+            <a:schemeClr val="accent1"/>
+          </a:effectRef>
+          <a:fontRef idx="minor">
+            <a:schemeClr val="tx1"/>
+          </a:fontRef>
+        </p:style>
+      </p:cxnSp>
+      <p:cxnSp>
+        <p:nvCxnSpPr>
+          <p:cNvPr id="9" name="Connecteur droit 8"/>
+          <p:cNvCxnSpPr/>
+          <p:nvPr/>
+        </p:nvCxnSpPr>
+        <p:spPr>
+          <a:xfrm flipV="1">
+            <a:off x="275184" y="561595"/>
+            <a:ext cx="6098399" cy="5079877"/>
+          </a:xfrm>
+          <a:prstGeom prst="line">
+            <a:avLst/>
+          </a:prstGeom>
+          <a:ln>
+            <a:solidFill>
+              <a:srgbClr val="000000"/>
+            </a:solidFill>
+          </a:ln>
+        </p:spPr>
+        <p:style>
+          <a:lnRef idx="2">
+            <a:schemeClr val="accent1"/>
+          </a:lnRef>
+          <a:fillRef idx="0">
+            <a:schemeClr val="accent1"/>
+          </a:fillRef>
+          <a:effectRef idx="1">
+            <a:schemeClr val="accent1"/>
+          </a:effectRef>
+          <a:fontRef idx="minor">
+            <a:schemeClr val="tx1"/>
+          </a:fontRef>
+        </p:style>
+      </p:cxnSp>
+      <p:cxnSp>
+        <p:nvCxnSpPr>
+          <p:cNvPr id="10" name="Connecteur droit 9"/>
+          <p:cNvCxnSpPr/>
+          <p:nvPr/>
+        </p:nvCxnSpPr>
+        <p:spPr>
+          <a:xfrm flipV="1">
+            <a:off x="4150170" y="1625162"/>
+            <a:ext cx="419890" cy="87965"/>
+          </a:xfrm>
+          <a:prstGeom prst="line">
+            <a:avLst/>
+          </a:prstGeom>
+          <a:ln w="28575" cmpd="sng">
+            <a:solidFill>
+              <a:srgbClr val="000000"/>
+            </a:solidFill>
+          </a:ln>
+        </p:spPr>
+        <p:style>
+          <a:lnRef idx="2">
+            <a:schemeClr val="accent1"/>
+          </a:lnRef>
+          <a:fillRef idx="0">
+            <a:schemeClr val="accent1"/>
+          </a:fillRef>
+          <a:effectRef idx="1">
+            <a:schemeClr val="accent1"/>
+          </a:effectRef>
+          <a:fontRef idx="minor">
+            <a:schemeClr val="tx1"/>
+          </a:fontRef>
+        </p:style>
+      </p:cxnSp>
+      <p:cxnSp>
+        <p:nvCxnSpPr>
+          <p:cNvPr id="11" name="Connecteur droit 10"/>
+          <p:cNvCxnSpPr/>
+          <p:nvPr/>
+        </p:nvCxnSpPr>
+        <p:spPr>
+          <a:xfrm flipV="1">
+            <a:off x="4234285" y="1709287"/>
+            <a:ext cx="419890" cy="87965"/>
+          </a:xfrm>
+          <a:prstGeom prst="line">
+            <a:avLst/>
+          </a:prstGeom>
+          <a:ln w="28575" cmpd="sng">
+            <a:solidFill>
+              <a:srgbClr val="000000"/>
+            </a:solidFill>
+          </a:ln>
+        </p:spPr>
+        <p:style>
+          <a:lnRef idx="2">
+            <a:schemeClr val="accent1"/>
+          </a:lnRef>
+          <a:fillRef idx="0">
+            <a:schemeClr val="accent1"/>
+          </a:fillRef>
+          <a:effectRef idx="1">
+            <a:schemeClr val="accent1"/>
+          </a:effectRef>
+          <a:fontRef idx="minor">
+            <a:schemeClr val="tx1"/>
+          </a:fontRef>
+        </p:style>
+      </p:cxnSp>
+      <p:cxnSp>
+        <p:nvCxnSpPr>
+          <p:cNvPr id="12" name="Connecteur droit 11"/>
+          <p:cNvCxnSpPr/>
+          <p:nvPr/>
+        </p:nvCxnSpPr>
+        <p:spPr>
+          <a:xfrm flipV="1">
+            <a:off x="4712270" y="2255471"/>
+            <a:ext cx="419890" cy="87965"/>
+          </a:xfrm>
+          <a:prstGeom prst="line">
+            <a:avLst/>
+          </a:prstGeom>
+          <a:ln w="28575" cmpd="sng">
+            <a:solidFill>
+              <a:srgbClr val="000000"/>
+            </a:solidFill>
+          </a:ln>
+        </p:spPr>
+        <p:style>
+          <a:lnRef idx="2">
+            <a:schemeClr val="accent1"/>
+          </a:lnRef>
+          <a:fillRef idx="0">
+            <a:schemeClr val="accent1"/>
+          </a:fillRef>
+          <a:effectRef idx="1">
+            <a:schemeClr val="accent1"/>
+          </a:effectRef>
+          <a:fontRef idx="minor">
+            <a:schemeClr val="tx1"/>
+          </a:fontRef>
+        </p:style>
+      </p:cxnSp>
+      <p:cxnSp>
+        <p:nvCxnSpPr>
+          <p:cNvPr id="13" name="Connecteur droit 12"/>
+          <p:cNvCxnSpPr/>
+          <p:nvPr/>
+        </p:nvCxnSpPr>
+        <p:spPr>
+          <a:xfrm flipV="1">
+            <a:off x="4796385" y="2339596"/>
+            <a:ext cx="419890" cy="87965"/>
+          </a:xfrm>
+          <a:prstGeom prst="line">
+            <a:avLst/>
+          </a:prstGeom>
+          <a:ln w="28575" cmpd="sng">
+            <a:solidFill>
+              <a:srgbClr val="000000"/>
+            </a:solidFill>
+          </a:ln>
+        </p:spPr>
+        <p:style>
+          <a:lnRef idx="2">
+            <a:schemeClr val="accent1"/>
+          </a:lnRef>
+          <a:fillRef idx="0">
+            <a:schemeClr val="accent1"/>
+          </a:fillRef>
+          <a:effectRef idx="1">
+            <a:schemeClr val="accent1"/>
+          </a:effectRef>
+          <a:fontRef idx="minor">
+            <a:schemeClr val="tx1"/>
+          </a:fontRef>
+        </p:style>
+      </p:cxnSp>
+      <p:cxnSp>
+        <p:nvCxnSpPr>
+          <p:cNvPr id="15" name="Connecteur droit 14"/>
+          <p:cNvCxnSpPr/>
+          <p:nvPr/>
+        </p:nvCxnSpPr>
+        <p:spPr>
+          <a:xfrm>
+            <a:off x="2813383" y="3488277"/>
+            <a:ext cx="0" cy="2748826"/>
+          </a:xfrm>
+          <a:prstGeom prst="line">
+            <a:avLst/>
+          </a:prstGeom>
+          <a:ln>
+            <a:solidFill>
+              <a:srgbClr val="FF0000"/>
+            </a:solidFill>
+          </a:ln>
+        </p:spPr>
+        <p:style>
+          <a:lnRef idx="2">
+            <a:schemeClr val="accent1"/>
+          </a:lnRef>
+          <a:fillRef idx="0">
+            <a:schemeClr val="accent1"/>
+          </a:fillRef>
+          <a:effectRef idx="1">
+            <a:schemeClr val="accent1"/>
+          </a:effectRef>
+          <a:fontRef idx="minor">
+            <a:schemeClr val="tx1"/>
+          </a:fontRef>
+        </p:style>
+      </p:cxnSp>
+      <p:sp>
+        <p:nvSpPr>
+          <p:cNvPr id="16" name="ZoneTexte 15"/>
+          <p:cNvSpPr txBox="1"/>
+          <p:nvPr/>
+        </p:nvSpPr>
+        <p:spPr>
+          <a:xfrm>
+            <a:off x="2733002" y="6317478"/>
+            <a:ext cx="1223412" cy="369332"/>
+          </a:xfrm>
+          <a:prstGeom prst="rect">
+            <a:avLst/>
+          </a:prstGeom>
+          <a:noFill/>
+        </p:spPr>
+        <p:txBody>
+          <a:bodyPr wrap="none" rtlCol="0">
+            <a:spAutoFit/>
+          </a:bodyPr>
+          <a:lstStyle/>
+          <a:p>
+            <a:r>
+              <a:rPr lang="fr-FR" dirty="0" err="1" smtClean="0"/>
+              <a:t>V</a:t>
+            </a:r>
+            <a:r>
+              <a:rPr lang="fr-FR" baseline="-25000" dirty="0" err="1" smtClean="0"/>
+              <a:t>éq</a:t>
+            </a:r>
+            <a:r>
+              <a:rPr lang="fr-FR" dirty="0" smtClean="0"/>
+              <a:t>=4,1 </a:t>
+            </a:r>
+            <a:r>
+              <a:rPr lang="fr-FR" dirty="0" err="1" smtClean="0"/>
+              <a:t>mL</a:t>
+            </a:r>
+            <a:endParaRPr lang="fr-FR" dirty="0"/>
+          </a:p>
+        </p:txBody>
+      </p:sp>
+    </p:spTree>
+    <p:extLst>
+      <p:ext uri="{BB962C8B-B14F-4D97-AF65-F5344CB8AC3E}">
+        <p14:creationId xmlns:p14="http://schemas.microsoft.com/office/powerpoint/2010/main" val="3712666046"/>
+      </p:ext>
+    </p:extLst>
+  </p:cSld>
+  <p:clrMapOvr>
+    <a:masterClrMapping/>
+  </p:clrMapOvr>
+</p:sld>
+</file>
+
+<file path=ppt/slides/slide5.xml><?xml version="1.0" encoding="utf-8"?>
+<p:sld xmlns:a="http://schemas.openxmlformats.org/drawingml/2006/main" xmlns:r="http://schemas.openxmlformats.org/officeDocument/2006/relationships" xmlns:p="http://schemas.openxmlformats.org/presentationml/2006/main">
+  <p:cSld>
+    <p:spTree>
+      <p:nvGrpSpPr>
+        <p:cNvPr id="1" name=""/>
+        <p:cNvGrpSpPr/>
+        <p:nvPr/>
+      </p:nvGrpSpPr>
+      <p:grpSpPr>
+        <a:xfrm>
+          <a:off x="0" y="0"/>
+          <a:ext cx="0" cy="0"/>
+          <a:chOff x="0" y="0"/>
+          <a:chExt cx="0" cy="0"/>
+        </a:xfrm>
+      </p:grpSpPr>
+      <p:sp>
+        <p:nvSpPr>
+          <p:cNvPr id="2" name="Titre 1"/>
+          <p:cNvSpPr>
+            <a:spLocks noGrp="1"/>
+          </p:cNvSpPr>
+          <p:nvPr>
+            <p:ph type="title"/>
+          </p:nvPr>
+        </p:nvSpPr>
+        <p:spPr>
+          <a:xfrm>
+            <a:off x="422068" y="125853"/>
+            <a:ext cx="10058400" cy="732591"/>
+          </a:xfrm>
+        </p:spPr>
+        <p:txBody>
+          <a:bodyPr/>
+          <a:lstStyle/>
+          <a:p>
+            <a:r>
+              <a:rPr lang="fr-FR" dirty="0" smtClean="0"/>
+              <a:t>Détermination du </a:t>
+            </a:r>
+            <a:r>
+              <a:rPr lang="fr-FR" dirty="0" err="1" smtClean="0"/>
+              <a:t>pKa</a:t>
+            </a:r>
+            <a:endParaRPr lang="fr-FR" dirty="0"/>
+          </a:p>
+        </p:txBody>
+      </p:sp>
+      <p:sp>
+        <p:nvSpPr>
+          <p:cNvPr id="4" name="Espace réservé du numéro de diapositive 3"/>
+          <p:cNvSpPr>
+            <a:spLocks noGrp="1"/>
+          </p:cNvSpPr>
+          <p:nvPr>
+            <p:ph type="sldNum" sz="quarter" idx="12"/>
+          </p:nvPr>
+        </p:nvSpPr>
+        <p:spPr>
+          <a:xfrm>
+            <a:off x="10623900" y="6347260"/>
+            <a:ext cx="1312025" cy="365125"/>
+          </a:xfrm>
+        </p:spPr>
+        <p:txBody>
+          <a:bodyPr/>
+          <a:lstStyle/>
+          <a:p>
+            <a:fld id="{5BA00AD0-89FA-4358-AFE4-0A4CF2693EF1}" type="slidenum">
+              <a:rPr lang="fr-FR" smtClean="0"/>
+              <a:t>5</a:t>
+            </a:fld>
+            <a:endParaRPr lang="fr-FR" dirty="0"/>
+          </a:p>
+        </p:txBody>
+      </p:sp>
+      <p:pic>
+        <p:nvPicPr>
+          <p:cNvPr id="5" name="Image 4" descr="Capture d-ecran -6-.png"/>
+          <p:cNvPicPr>
+            <a:picLocks noChangeAspect="1"/>
+          </p:cNvPicPr>
+          <p:nvPr/>
+        </p:nvPicPr>
+        <p:blipFill rotWithShape="1">
+          <a:blip r:embed="rId2">
+            <a:extLst>
+              <a:ext uri="{28A0092B-C50C-407E-A947-70E740481C1C}">
+                <a14:useLocalDpi xmlns:a14="http://schemas.microsoft.com/office/drawing/2010/main" val="0"/>
+              </a:ext>
+            </a:extLst>
+          </a:blip>
+          <a:srcRect l="1137" t="17354" r="533" b="6472"/>
+          <a:stretch/>
+        </p:blipFill>
+        <p:spPr>
+          <a:xfrm>
+            <a:off x="739517" y="925897"/>
+            <a:ext cx="9501200" cy="5520182"/>
+          </a:xfrm>
+          <a:prstGeom prst="rect">
+            <a:avLst/>
+          </a:prstGeom>
+        </p:spPr>
+      </p:pic>
+      <p:cxnSp>
+        <p:nvCxnSpPr>
+          <p:cNvPr id="6" name="Connecteur droit 5"/>
+          <p:cNvCxnSpPr/>
+          <p:nvPr/>
+        </p:nvCxnSpPr>
+        <p:spPr>
+          <a:xfrm flipV="1">
+            <a:off x="-273260" y="-263167"/>
+            <a:ext cx="6098399" cy="5079877"/>
+          </a:xfrm>
+          <a:prstGeom prst="line">
+            <a:avLst/>
+          </a:prstGeom>
+          <a:ln>
+            <a:solidFill>
+              <a:srgbClr val="000000"/>
+            </a:solidFill>
+          </a:ln>
+        </p:spPr>
+        <p:style>
+          <a:lnRef idx="2">
+            <a:schemeClr val="accent1"/>
+          </a:lnRef>
+          <a:fillRef idx="0">
+            <a:schemeClr val="accent1"/>
+          </a:fillRef>
+          <a:effectRef idx="1">
+            <a:schemeClr val="accent1"/>
+          </a:effectRef>
+          <a:fontRef idx="minor">
+            <a:schemeClr val="tx1"/>
+          </a:fontRef>
+        </p:style>
+      </p:cxnSp>
+      <p:cxnSp>
+        <p:nvCxnSpPr>
+          <p:cNvPr id="7" name="Connecteur droit 6"/>
+          <p:cNvCxnSpPr/>
+          <p:nvPr/>
+        </p:nvCxnSpPr>
+        <p:spPr>
+          <a:xfrm flipV="1">
+            <a:off x="493690" y="1698212"/>
+            <a:ext cx="6098399" cy="5079877"/>
+          </a:xfrm>
+          <a:prstGeom prst="line">
+            <a:avLst/>
+          </a:prstGeom>
+          <a:ln>
+            <a:solidFill>
+              <a:srgbClr val="000000"/>
+            </a:solidFill>
+          </a:ln>
+        </p:spPr>
+        <p:style>
+          <a:lnRef idx="2">
+            <a:schemeClr val="accent1"/>
+          </a:lnRef>
+          <a:fillRef idx="0">
+            <a:schemeClr val="accent1"/>
+          </a:fillRef>
+          <a:effectRef idx="1">
+            <a:schemeClr val="accent1"/>
+          </a:effectRef>
+          <a:fontRef idx="minor">
+            <a:schemeClr val="tx1"/>
+          </a:fontRef>
+        </p:style>
+      </p:cxnSp>
+      <p:cxnSp>
+        <p:nvCxnSpPr>
+          <p:cNvPr id="8" name="Connecteur droit 7"/>
+          <p:cNvCxnSpPr/>
+          <p:nvPr/>
+        </p:nvCxnSpPr>
+        <p:spPr>
+          <a:xfrm>
+            <a:off x="3770794" y="888976"/>
+            <a:ext cx="1779535" cy="2243065"/>
+          </a:xfrm>
+          <a:prstGeom prst="line">
+            <a:avLst/>
+          </a:prstGeom>
+          <a:ln>
+            <a:solidFill>
+              <a:srgbClr val="000000"/>
+            </a:solidFill>
+            <a:prstDash val="dash"/>
+          </a:ln>
+        </p:spPr>
+        <p:style>
+          <a:lnRef idx="2">
+            <a:schemeClr val="accent1"/>
+          </a:lnRef>
+          <a:fillRef idx="0">
+            <a:schemeClr val="accent1"/>
+          </a:fillRef>
+          <a:effectRef idx="1">
+            <a:schemeClr val="accent1"/>
+          </a:effectRef>
+          <a:fontRef idx="minor">
+            <a:schemeClr val="tx1"/>
+          </a:fontRef>
+        </p:style>
+      </p:cxnSp>
+      <p:cxnSp>
+        <p:nvCxnSpPr>
+          <p:cNvPr id="9" name="Connecteur droit 8"/>
+          <p:cNvCxnSpPr/>
+          <p:nvPr/>
+        </p:nvCxnSpPr>
+        <p:spPr>
+          <a:xfrm flipV="1">
+            <a:off x="964589" y="561596"/>
+            <a:ext cx="5408994" cy="4485956"/>
+          </a:xfrm>
+          <a:prstGeom prst="line">
+            <a:avLst/>
+          </a:prstGeom>
+          <a:ln>
+            <a:solidFill>
+              <a:srgbClr val="000000"/>
+            </a:solidFill>
+          </a:ln>
+        </p:spPr>
+        <p:style>
+          <a:lnRef idx="2">
+            <a:schemeClr val="accent1"/>
+          </a:lnRef>
+          <a:fillRef idx="0">
+            <a:schemeClr val="accent1"/>
+          </a:fillRef>
+          <a:effectRef idx="1">
+            <a:schemeClr val="accent1"/>
+          </a:effectRef>
+          <a:fontRef idx="minor">
+            <a:schemeClr val="tx1"/>
+          </a:fontRef>
+        </p:style>
+      </p:cxnSp>
+      <p:cxnSp>
+        <p:nvCxnSpPr>
+          <p:cNvPr id="10" name="Connecteur droit 9"/>
+          <p:cNvCxnSpPr/>
+          <p:nvPr/>
+        </p:nvCxnSpPr>
+        <p:spPr>
+          <a:xfrm flipV="1">
+            <a:off x="4150170" y="1625162"/>
+            <a:ext cx="419890" cy="87965"/>
+          </a:xfrm>
+          <a:prstGeom prst="line">
+            <a:avLst/>
+          </a:prstGeom>
+          <a:ln w="28575" cmpd="sng">
+            <a:solidFill>
+              <a:srgbClr val="000000"/>
+            </a:solidFill>
+          </a:ln>
+        </p:spPr>
+        <p:style>
+          <a:lnRef idx="2">
+            <a:schemeClr val="accent1"/>
+          </a:lnRef>
+          <a:fillRef idx="0">
+            <a:schemeClr val="accent1"/>
+          </a:fillRef>
+          <a:effectRef idx="1">
+            <a:schemeClr val="accent1"/>
+          </a:effectRef>
+          <a:fontRef idx="minor">
+            <a:schemeClr val="tx1"/>
+          </a:fontRef>
+        </p:style>
+      </p:cxnSp>
+      <p:cxnSp>
+        <p:nvCxnSpPr>
+          <p:cNvPr id="11" name="Connecteur droit 10"/>
+          <p:cNvCxnSpPr/>
+          <p:nvPr/>
+        </p:nvCxnSpPr>
+        <p:spPr>
+          <a:xfrm flipV="1">
+            <a:off x="4234285" y="1709287"/>
+            <a:ext cx="419890" cy="87965"/>
+          </a:xfrm>
+          <a:prstGeom prst="line">
+            <a:avLst/>
+          </a:prstGeom>
+          <a:ln w="28575" cmpd="sng">
+            <a:solidFill>
+              <a:srgbClr val="000000"/>
+            </a:solidFill>
+          </a:ln>
+        </p:spPr>
+        <p:style>
+          <a:lnRef idx="2">
+            <a:schemeClr val="accent1"/>
+          </a:lnRef>
+          <a:fillRef idx="0">
+            <a:schemeClr val="accent1"/>
+          </a:fillRef>
+          <a:effectRef idx="1">
+            <a:schemeClr val="accent1"/>
+          </a:effectRef>
+          <a:fontRef idx="minor">
+            <a:schemeClr val="tx1"/>
+          </a:fontRef>
+        </p:style>
+      </p:cxnSp>
+      <p:cxnSp>
+        <p:nvCxnSpPr>
+          <p:cNvPr id="12" name="Connecteur droit 11"/>
+          <p:cNvCxnSpPr/>
+          <p:nvPr/>
+        </p:nvCxnSpPr>
+        <p:spPr>
+          <a:xfrm flipV="1">
+            <a:off x="4712270" y="2255471"/>
+            <a:ext cx="419890" cy="87965"/>
+          </a:xfrm>
+          <a:prstGeom prst="line">
+            <a:avLst/>
+          </a:prstGeom>
+          <a:ln w="28575" cmpd="sng">
+            <a:solidFill>
+              <a:srgbClr val="000000"/>
+            </a:solidFill>
+          </a:ln>
+        </p:spPr>
+        <p:style>
+          <a:lnRef idx="2">
+            <a:schemeClr val="accent1"/>
+          </a:lnRef>
+          <a:fillRef idx="0">
+            <a:schemeClr val="accent1"/>
+          </a:fillRef>
+          <a:effectRef idx="1">
+            <a:schemeClr val="accent1"/>
+          </a:effectRef>
+          <a:fontRef idx="minor">
+            <a:schemeClr val="tx1"/>
+          </a:fontRef>
+        </p:style>
+      </p:cxnSp>
+      <p:cxnSp>
+        <p:nvCxnSpPr>
+          <p:cNvPr id="13" name="Connecteur droit 12"/>
+          <p:cNvCxnSpPr/>
+          <p:nvPr/>
+        </p:nvCxnSpPr>
+        <p:spPr>
+          <a:xfrm flipV="1">
+            <a:off x="4796385" y="2339596"/>
+            <a:ext cx="419890" cy="87965"/>
+          </a:xfrm>
+          <a:prstGeom prst="line">
+            <a:avLst/>
+          </a:prstGeom>
+          <a:ln w="28575" cmpd="sng">
+            <a:solidFill>
+              <a:srgbClr val="000000"/>
+            </a:solidFill>
+          </a:ln>
+        </p:spPr>
+        <p:style>
+          <a:lnRef idx="2">
+            <a:schemeClr val="accent1"/>
+          </a:lnRef>
+          <a:fillRef idx="0">
+            <a:schemeClr val="accent1"/>
+          </a:fillRef>
+          <a:effectRef idx="1">
+            <a:schemeClr val="accent1"/>
+          </a:effectRef>
+          <a:fontRef idx="minor">
+            <a:schemeClr val="tx1"/>
+          </a:fontRef>
+        </p:style>
+      </p:cxnSp>
+      <p:cxnSp>
+        <p:nvCxnSpPr>
+          <p:cNvPr id="15" name="Connecteur droit 14"/>
+          <p:cNvCxnSpPr/>
+          <p:nvPr/>
+        </p:nvCxnSpPr>
+        <p:spPr>
+          <a:xfrm>
+            <a:off x="1864871" y="5405335"/>
+            <a:ext cx="0" cy="875861"/>
+          </a:xfrm>
+          <a:prstGeom prst="line">
+            <a:avLst/>
+          </a:prstGeom>
+          <a:ln>
+            <a:solidFill>
+              <a:srgbClr val="FF0000"/>
+            </a:solidFill>
+          </a:ln>
+        </p:spPr>
+        <p:style>
+          <a:lnRef idx="2">
+            <a:schemeClr val="accent1"/>
+          </a:lnRef>
+          <a:fillRef idx="0">
+            <a:schemeClr val="accent1"/>
+          </a:fillRef>
+          <a:effectRef idx="1">
+            <a:schemeClr val="accent1"/>
+          </a:effectRef>
+          <a:fontRef idx="minor">
+            <a:schemeClr val="tx1"/>
+          </a:fontRef>
+        </p:style>
+      </p:cxnSp>
+      <p:sp>
+        <p:nvSpPr>
+          <p:cNvPr id="16" name="ZoneTexte 15"/>
+          <p:cNvSpPr txBox="1"/>
+          <p:nvPr/>
+        </p:nvSpPr>
+        <p:spPr>
+          <a:xfrm>
+            <a:off x="2733002" y="6317478"/>
+            <a:ext cx="1223412" cy="369332"/>
+          </a:xfrm>
+          <a:prstGeom prst="rect">
+            <a:avLst/>
+          </a:prstGeom>
+          <a:noFill/>
+        </p:spPr>
+        <p:txBody>
+          <a:bodyPr wrap="none" rtlCol="0">
+            <a:spAutoFit/>
+          </a:bodyPr>
+          <a:lstStyle/>
+          <a:p>
+            <a:r>
+              <a:rPr lang="fr-FR" dirty="0" err="1" smtClean="0"/>
+              <a:t>V</a:t>
+            </a:r>
+            <a:r>
+              <a:rPr lang="fr-FR" baseline="-25000" dirty="0" err="1" smtClean="0"/>
+              <a:t>éq</a:t>
+            </a:r>
+            <a:r>
+              <a:rPr lang="fr-FR" dirty="0" smtClean="0"/>
+              <a:t>=4,1 </a:t>
+            </a:r>
+            <a:r>
+              <a:rPr lang="fr-FR" dirty="0" err="1" smtClean="0"/>
+              <a:t>mL</a:t>
+            </a:r>
+            <a:endParaRPr lang="fr-FR" dirty="0"/>
+          </a:p>
+        </p:txBody>
+      </p:sp>
+      <p:cxnSp>
+        <p:nvCxnSpPr>
+          <p:cNvPr id="17" name="Connecteur droit 16"/>
+          <p:cNvCxnSpPr/>
+          <p:nvPr/>
+        </p:nvCxnSpPr>
+        <p:spPr>
+          <a:xfrm>
+            <a:off x="2813383" y="3488277"/>
+            <a:ext cx="0" cy="2748826"/>
+          </a:xfrm>
+          <a:prstGeom prst="line">
+            <a:avLst/>
+          </a:prstGeom>
+          <a:ln>
+            <a:solidFill>
+              <a:srgbClr val="FF0000"/>
+            </a:solidFill>
+          </a:ln>
+        </p:spPr>
+        <p:style>
+          <a:lnRef idx="2">
+            <a:schemeClr val="accent1"/>
+          </a:lnRef>
+          <a:fillRef idx="0">
+            <a:schemeClr val="accent1"/>
+          </a:fillRef>
+          <a:effectRef idx="1">
+            <a:schemeClr val="accent1"/>
+          </a:effectRef>
+          <a:fontRef idx="minor">
+            <a:schemeClr val="tx1"/>
+          </a:fontRef>
+        </p:style>
+      </p:cxnSp>
+      <p:cxnSp>
+        <p:nvCxnSpPr>
+          <p:cNvPr id="14" name="Connecteur droit 13"/>
+          <p:cNvCxnSpPr/>
+          <p:nvPr/>
+        </p:nvCxnSpPr>
+        <p:spPr>
+          <a:xfrm flipH="1" flipV="1">
+            <a:off x="903498" y="5401201"/>
+            <a:ext cx="990311" cy="0"/>
+          </a:xfrm>
+          <a:prstGeom prst="line">
+            <a:avLst/>
+          </a:prstGeom>
+          <a:ln>
+            <a:solidFill>
+              <a:srgbClr val="FF0000"/>
+            </a:solidFill>
+          </a:ln>
+        </p:spPr>
+        <p:style>
+          <a:lnRef idx="2">
+            <a:schemeClr val="accent1"/>
+          </a:lnRef>
+          <a:fillRef idx="0">
+            <a:schemeClr val="accent1"/>
+          </a:fillRef>
+          <a:effectRef idx="1">
+            <a:schemeClr val="accent1"/>
+          </a:effectRef>
+          <a:fontRef idx="minor">
+            <a:schemeClr val="tx1"/>
+          </a:fontRef>
+        </p:style>
+      </p:cxnSp>
+      <p:sp>
+        <p:nvSpPr>
+          <p:cNvPr id="18" name="ZoneTexte 17"/>
+          <p:cNvSpPr txBox="1"/>
+          <p:nvPr/>
+        </p:nvSpPr>
+        <p:spPr>
+          <a:xfrm>
+            <a:off x="160768" y="5192227"/>
+            <a:ext cx="856312" cy="369332"/>
+          </a:xfrm>
+          <a:prstGeom prst="rect">
+            <a:avLst/>
+          </a:prstGeom>
+          <a:noFill/>
+        </p:spPr>
+        <p:txBody>
+          <a:bodyPr wrap="none" rtlCol="0">
+            <a:spAutoFit/>
+          </a:bodyPr>
+          <a:lstStyle/>
+          <a:p>
+            <a:r>
+              <a:rPr lang="fr-FR" dirty="0" smtClean="0"/>
+              <a:t>pH=4,2</a:t>
+            </a:r>
+            <a:endParaRPr lang="fr-FR" dirty="0"/>
+          </a:p>
+        </p:txBody>
+      </p:sp>
+      <p:sp>
+        <p:nvSpPr>
+          <p:cNvPr id="19" name="ZoneTexte 18"/>
+          <p:cNvSpPr txBox="1"/>
+          <p:nvPr/>
+        </p:nvSpPr>
+        <p:spPr>
+          <a:xfrm>
+            <a:off x="1559418" y="6317478"/>
+            <a:ext cx="757915" cy="369332"/>
+          </a:xfrm>
+          <a:prstGeom prst="rect">
+            <a:avLst/>
+          </a:prstGeom>
+          <a:noFill/>
+        </p:spPr>
+        <p:txBody>
+          <a:bodyPr wrap="none" rtlCol="0">
+            <a:spAutoFit/>
+          </a:bodyPr>
+          <a:lstStyle/>
+          <a:p>
+            <a:r>
+              <a:rPr lang="fr-FR" dirty="0" err="1" smtClean="0"/>
+              <a:t>Véq</a:t>
+            </a:r>
+            <a:r>
+              <a:rPr lang="fr-FR" dirty="0" smtClean="0"/>
+              <a:t>/2</a:t>
+            </a:r>
+            <a:endParaRPr lang="fr-FR" dirty="0"/>
+          </a:p>
+        </p:txBody>
+      </p:sp>
+    </p:spTree>
+    <p:extLst>
+      <p:ext uri="{BB962C8B-B14F-4D97-AF65-F5344CB8AC3E}">
+        <p14:creationId xmlns:p14="http://schemas.microsoft.com/office/powerpoint/2010/main" val="2819054517"/>
+      </p:ext>
+    </p:extLst>
+  </p:cSld>
+  <p:clrMapOvr>
+    <a:masterClrMapping/>
+  </p:clrMapOvr>
+</p:sld>
+</file>
+
+<file path=ppt/slides/slide6.xml><?xml version="1.0" encoding="utf-8"?>
+<p:sld xmlns:a="http://schemas.openxmlformats.org/drawingml/2006/main" xmlns:r="http://schemas.openxmlformats.org/officeDocument/2006/relationships" xmlns:p="http://schemas.openxmlformats.org/presentationml/2006/main">
+  <p:cSld>
+    <p:spTree>
+      <p:nvGrpSpPr>
+        <p:cNvPr id="1" name=""/>
+        <p:cNvGrpSpPr/>
+        <p:nvPr/>
+      </p:nvGrpSpPr>
+      <p:grpSpPr>
+        <a:xfrm>
+          <a:off x="0" y="0"/>
+          <a:ext cx="0" cy="0"/>
+          <a:chOff x="0" y="0"/>
+          <a:chExt cx="0" cy="0"/>
+        </a:xfrm>
+      </p:grpSpPr>
+      <p:sp>
+        <p:nvSpPr>
+          <p:cNvPr id="2" name="Titre 1"/>
+          <p:cNvSpPr>
+            <a:spLocks noGrp="1"/>
+          </p:cNvSpPr>
+          <p:nvPr>
+            <p:ph type="title"/>
+          </p:nvPr>
+        </p:nvSpPr>
         <p:spPr/>
         <p:txBody>
           <a:bodyPr>
@@ -10825,7 +11946,7 @@
           <a:p>
             <a:fld id="{5BA00AD0-89FA-4358-AFE4-0A4CF2693EF1}" type="slidenum">
               <a:rPr lang="fr-FR" smtClean="0"/>
-              <a:t>4</a:t>
+              <a:t>6</a:t>
             </a:fld>
             <a:endParaRPr lang="fr-FR" dirty="0"/>
           </a:p>
@@ -11584,12 +12705,12 @@
           <a:graphicData uri="http://schemas.openxmlformats.org/presentationml/2006/ole">
             <mc:AlternateContent xmlns:mc="http://schemas.openxmlformats.org/markup-compatibility/2006">
               <mc:Choice xmlns:v="urn:schemas-microsoft-com:vml" Requires="v">
-                <p:oleObj spid="_x0000_s2059" name="Document" r:id="rId4" imgW="5727700" imgH="1257300" progId="Word.Document.12">
+                <p:oleObj spid="_x0000_s2066" name="Document" r:id="rId3" imgW="5727700" imgH="1257300" progId="Word.Document.12">
                   <p:embed/>
                 </p:oleObj>
               </mc:Choice>
               <mc:Fallback>
-                <p:oleObj name="Document" r:id="rId4" imgW="5727700" imgH="1257300" progId="Word.Document.12">
+                <p:oleObj name="Document" r:id="rId3" imgW="5727700" imgH="1257300" progId="Word.Document.12">
                   <p:embed/>
                   <p:pic>
                     <p:nvPicPr>
@@ -11598,7 +12719,7 @@
                       <p:nvPr/>
                     </p:nvPicPr>
                     <p:blipFill>
-                      <a:blip r:embed="rId5"/>
+                      <a:blip r:embed="rId4"/>
                       <a:stretch>
                         <a:fillRect/>
                       </a:stretch>
@@ -11624,7 +12745,7 @@
           <p:cNvPr id="11" name="Groupe 21">
             <a:extLst>
               <a:ext uri="{FF2B5EF4-FFF2-40B4-BE49-F238E27FC236}">
-                <a16:creationId xmlns="" xmlns:a16="http://schemas.microsoft.com/office/drawing/2014/main" id="{153FE792-C093-4A53-BAD6-76B60367CE28}"/>
+                <a16:creationId xmlns:a16="http://schemas.microsoft.com/office/drawing/2014/main" xmlns="" id="{153FE792-C093-4A53-BAD6-76B60367CE28}"/>
               </a:ext>
             </a:extLst>
           </p:cNvPr>
@@ -11644,7 +12765,7 @@
             <p:cNvPr id="12" name="Rectangle : coins arrondis 22">
               <a:extLst>
                 <a:ext uri="{FF2B5EF4-FFF2-40B4-BE49-F238E27FC236}">
-                  <a16:creationId xmlns="" xmlns:a16="http://schemas.microsoft.com/office/drawing/2014/main" id="{22F2C46D-8850-4CE3-826B-D4FA1B767C09}"/>
+                  <a16:creationId xmlns:a16="http://schemas.microsoft.com/office/drawing/2014/main" xmlns="" id="{22F2C46D-8850-4CE3-826B-D4FA1B767C09}"/>
                 </a:ext>
               </a:extLst>
             </p:cNvPr>
@@ -11697,7 +12818,7 @@
             <p:cNvPr id="13" name="Rectangle 12">
               <a:extLst>
                 <a:ext uri="{FF2B5EF4-FFF2-40B4-BE49-F238E27FC236}">
-                  <a16:creationId xmlns="" xmlns:a16="http://schemas.microsoft.com/office/drawing/2014/main" id="{DFDAC9C4-1E30-490E-9CB4-965B1F43AFE8}"/>
+                  <a16:creationId xmlns:a16="http://schemas.microsoft.com/office/drawing/2014/main" xmlns="" id="{DFDAC9C4-1E30-490E-9CB4-965B1F43AFE8}"/>
                 </a:ext>
               </a:extLst>
             </p:cNvPr>
@@ -11750,7 +12871,7 @@
           <p:cNvPr id="15" name="Rectangle : avec coins arrondis en haut 5">
             <a:extLst>
               <a:ext uri="{FF2B5EF4-FFF2-40B4-BE49-F238E27FC236}">
-                <a16:creationId xmlns="" xmlns:a16="http://schemas.microsoft.com/office/drawing/2014/main" id="{0644D822-4E85-4FFB-9E15-B5479B87492A}"/>
+                <a16:creationId xmlns:a16="http://schemas.microsoft.com/office/drawing/2014/main" xmlns="" id="{0644D822-4E85-4FFB-9E15-B5479B87492A}"/>
               </a:ext>
             </a:extLst>
           </p:cNvPr>
@@ -11799,41 +12920,6 @@
           <a:p>
             <a:pPr algn="ctr"/>
             <a:endParaRPr lang="fr-FR"/>
-          </a:p>
-        </p:txBody>
-      </p:sp>
-      <p:sp>
-        <p:nvSpPr>
-          <p:cNvPr id="17" name="ZoneTexte 16">
-            <a:extLst>
-              <a:ext uri="{FF2B5EF4-FFF2-40B4-BE49-F238E27FC236}">
-                <a16:creationId xmlns="" xmlns:a16="http://schemas.microsoft.com/office/drawing/2014/main" id="{3C889E1B-1083-44FA-8F35-0CA2D6BD649F}"/>
-              </a:ext>
-            </a:extLst>
-          </p:cNvPr>
-          <p:cNvSpPr txBox="1"/>
-          <p:nvPr/>
-        </p:nvSpPr>
-        <p:spPr>
-          <a:xfrm>
-            <a:off x="10345007" y="3821046"/>
-            <a:ext cx="1846993" cy="307777"/>
-          </a:xfrm>
-          <a:prstGeom prst="rect">
-            <a:avLst/>
-          </a:prstGeom>
-          <a:noFill/>
-        </p:spPr>
-        <p:txBody>
-          <a:bodyPr wrap="square" rtlCol="0">
-            <a:spAutoFit/>
-          </a:bodyPr>
-          <a:lstStyle/>
-          <a:p>
-            <a:r>
-              <a:rPr lang="fr-FR" sz="1400" dirty="0"/>
-              <a:t>Vers conductimètre</a:t>
-            </a:r>
           </a:p>
         </p:txBody>
       </p:sp>
@@ -11928,7 +13014,7 @@
           <p:cNvPr id="14" name="Image 13">
             <a:extLst>
               <a:ext uri="{FF2B5EF4-FFF2-40B4-BE49-F238E27FC236}">
-                <a16:creationId xmlns="" xmlns:a16="http://schemas.microsoft.com/office/drawing/2014/main" id="{A19A00EC-7ABB-4B18-88AC-3747D1621C6B}"/>
+                <a16:creationId xmlns:a16="http://schemas.microsoft.com/office/drawing/2014/main" xmlns="" id="{A19A00EC-7ABB-4B18-88AC-3747D1621C6B}"/>
               </a:ext>
             </a:extLst>
           </p:cNvPr>
@@ -11938,7 +13024,7 @@
           <p:nvPr/>
         </p:nvPicPr>
         <p:blipFill>
-          <a:blip r:embed="rId6"/>
+          <a:blip r:embed="rId5"/>
           <a:stretch>
             <a:fillRect/>
           </a:stretch>
@@ -11958,7 +13044,7 @@
           <p:cNvPr id="16" name="Forme libre : forme 6">
             <a:extLst>
               <a:ext uri="{FF2B5EF4-FFF2-40B4-BE49-F238E27FC236}">
-                <a16:creationId xmlns="" xmlns:a16="http://schemas.microsoft.com/office/drawing/2014/main" id="{779B14F4-7FF1-4290-A4F1-308C17734AB9}"/>
+                <a16:creationId xmlns:a16="http://schemas.microsoft.com/office/drawing/2014/main" xmlns="" id="{779B14F4-7FF1-4290-A4F1-308C17734AB9}"/>
               </a:ext>
             </a:extLst>
           </p:cNvPr>
@@ -12401,12 +13487,12 @@
           <a:graphicData uri="http://schemas.openxmlformats.org/presentationml/2006/ole">
             <mc:AlternateContent xmlns:mc="http://schemas.openxmlformats.org/markup-compatibility/2006">
               <mc:Choice xmlns:v="urn:schemas-microsoft-com:vml" Requires="v">
-                <p:oleObj spid="_x0000_s2060" name="Document" r:id="rId8" imgW="5727700" imgH="520700" progId="Word.Document.12">
+                <p:oleObj spid="_x0000_s2067" name="Document" r:id="rId6" imgW="5727700" imgH="520700" progId="Word.Document.12">
                   <p:embed/>
                 </p:oleObj>
               </mc:Choice>
               <mc:Fallback>
-                <p:oleObj name="Document" r:id="rId8" imgW="5727700" imgH="520700" progId="Word.Document.12">
+                <p:oleObj name="Document" r:id="rId6" imgW="5727700" imgH="520700" progId="Word.Document.12">
                   <p:embed/>
                   <p:pic>
                     <p:nvPicPr>
@@ -12415,7 +13501,7 @@
                       <p:nvPr/>
                     </p:nvPicPr>
                     <p:blipFill>
-                      <a:blip r:embed="rId9"/>
+                      <a:blip r:embed="rId7"/>
                       <a:stretch>
                         <a:fillRect/>
                       </a:stretch>
@@ -12436,6 +13522,59 @@
           </a:graphicData>
         </a:graphic>
       </p:graphicFrame>
+      <p:sp>
+        <p:nvSpPr>
+          <p:cNvPr id="20" name="ZoneTexte 19"/>
+          <p:cNvSpPr txBox="1"/>
+          <p:nvPr/>
+        </p:nvSpPr>
+        <p:spPr>
+          <a:xfrm>
+            <a:off x="10240717" y="3520427"/>
+            <a:ext cx="1668508" cy="646331"/>
+          </a:xfrm>
+          <a:prstGeom prst="rect">
+            <a:avLst/>
+          </a:prstGeom>
+          <a:noFill/>
+          <a:ln>
+            <a:solidFill>
+              <a:schemeClr val="tx1"/>
+            </a:solidFill>
+          </a:ln>
+        </p:spPr>
+        <p:txBody>
+          <a:bodyPr wrap="none" rtlCol="0">
+            <a:spAutoFit/>
+          </a:bodyPr>
+          <a:lstStyle/>
+          <a:p>
+            <a:r>
+              <a:rPr lang="fr-FR" dirty="0" smtClean="0"/>
+              <a:t>Conductimètre</a:t>
+            </a:r>
+          </a:p>
+          <a:p>
+            <a:r>
+              <a:rPr lang="fr-FR" dirty="0" err="1" smtClean="0"/>
+              <a:t>σ</a:t>
+            </a:r>
+            <a:r>
+              <a:rPr lang="fr-FR" dirty="0" smtClean="0"/>
+              <a:t> = 28,88 </a:t>
+            </a:r>
+            <a:r>
+              <a:rPr lang="fr-FR" dirty="0" err="1" smtClean="0"/>
+              <a:t>mS</a:t>
+            </a:r>
+            <a:r>
+              <a:rPr lang="fr-FR" dirty="0" smtClean="0"/>
+              <a:t>/m</a:t>
+            </a:r>
+            <a:endParaRPr lang="fr-FR" dirty="0"/>
+          </a:p>
+        </p:txBody>
+      </p:sp>
     </p:spTree>
     <p:extLst>
       <p:ext uri="{BB962C8B-B14F-4D97-AF65-F5344CB8AC3E}">
@@ -12449,7 +13588,7 @@
 </p:sld>
 </file>
 
-<file path=ppt/slides/slide5.xml><?xml version="1.0" encoding="utf-8"?>
+<file path=ppt/slides/slide7.xml><?xml version="1.0" encoding="utf-8"?>
 <p:sld xmlns:a="http://schemas.openxmlformats.org/drawingml/2006/main" xmlns:r="http://schemas.openxmlformats.org/officeDocument/2006/relationships" xmlns:p="http://schemas.openxmlformats.org/presentationml/2006/main">
   <p:cSld>
     <p:spTree>
@@ -12471,7 +13610,7 @@
           <p:cNvPr id="2" name="Titre 1">
             <a:extLst>
               <a:ext uri="{FF2B5EF4-FFF2-40B4-BE49-F238E27FC236}">
-                <a16:creationId xmlns="" xmlns:a16="http://schemas.microsoft.com/office/drawing/2014/main" id="{F362C895-2D91-41F6-8F9F-5350AE8096F2}"/>
+                <a16:creationId xmlns:a16="http://schemas.microsoft.com/office/drawing/2014/main" xmlns="" id="{F362C895-2D91-41F6-8F9F-5350AE8096F2}"/>
               </a:ext>
             </a:extLst>
           </p:cNvPr>
@@ -12506,7 +13645,7 @@
           <p:cNvPr id="4" name="Espace réservé du numéro de diapositive 3">
             <a:extLst>
               <a:ext uri="{FF2B5EF4-FFF2-40B4-BE49-F238E27FC236}">
-                <a16:creationId xmlns="" xmlns:a16="http://schemas.microsoft.com/office/drawing/2014/main" id="{F0C405D1-6B07-4F81-806B-1809C7E3D18B}"/>
+                <a16:creationId xmlns:a16="http://schemas.microsoft.com/office/drawing/2014/main" xmlns="" id="{F0C405D1-6B07-4F81-806B-1809C7E3D18B}"/>
               </a:ext>
             </a:extLst>
           </p:cNvPr>
@@ -12524,7 +13663,7 @@
           <a:p>
             <a:fld id="{23A0BF15-B7D3-4BB6-885E-A86938A92F98}" type="slidenum">
               <a:rPr lang="fr-FR" smtClean="0"/>
-              <a:t>5</a:t>
+              <a:t>7</a:t>
             </a:fld>
             <a:endParaRPr lang="fr-FR"/>
           </a:p>
@@ -12535,7 +13674,7 @@
           <p:cNvPr id="8" name="Picture 2" descr="RÃ©sultat de recherche d'images pour &quot;schÃ©ma dosage pH mÃ©trique&quot;">
             <a:extLst>
               <a:ext uri="{FF2B5EF4-FFF2-40B4-BE49-F238E27FC236}">
-                <a16:creationId xmlns="" xmlns:a16="http://schemas.microsoft.com/office/drawing/2014/main" id="{4A4BB564-CC8C-478C-9CB8-ED422947562A}"/>
+                <a16:creationId xmlns:a16="http://schemas.microsoft.com/office/drawing/2014/main" xmlns="" id="{4A4BB564-CC8C-478C-9CB8-ED422947562A}"/>
               </a:ext>
             </a:extLst>
           </p:cNvPr>
@@ -12582,7 +13721,7 @@
           <p:cNvPr id="16" name="Grouper 444">
             <a:extLst>
               <a:ext uri="{FF2B5EF4-FFF2-40B4-BE49-F238E27FC236}">
-                <a16:creationId xmlns="" xmlns:a16="http://schemas.microsoft.com/office/drawing/2014/main" id="{AEC54AE2-A3C9-4E44-BA7F-082F3ECED6F3}"/>
+                <a16:creationId xmlns:a16="http://schemas.microsoft.com/office/drawing/2014/main" xmlns="" id="{AEC54AE2-A3C9-4E44-BA7F-082F3ECED6F3}"/>
               </a:ext>
             </a:extLst>
           </p:cNvPr>
@@ -12602,7 +13741,7 @@
             <p:cNvPr id="17" name="Arrondir un rectangle avec un coin du même côté 49">
               <a:extLst>
                 <a:ext uri="{FF2B5EF4-FFF2-40B4-BE49-F238E27FC236}">
-                  <a16:creationId xmlns="" xmlns:a16="http://schemas.microsoft.com/office/drawing/2014/main" id="{32ABA185-F8B3-48A5-B263-9F580B14ECF3}"/>
+                  <a16:creationId xmlns:a16="http://schemas.microsoft.com/office/drawing/2014/main" xmlns="" id="{32ABA185-F8B3-48A5-B263-9F580B14ECF3}"/>
                 </a:ext>
               </a:extLst>
             </p:cNvPr>
@@ -12663,7 +13802,7 @@
             <p:cNvPr id="18" name="Grouper 441">
               <a:extLst>
                 <a:ext uri="{FF2B5EF4-FFF2-40B4-BE49-F238E27FC236}">
-                  <a16:creationId xmlns="" xmlns:a16="http://schemas.microsoft.com/office/drawing/2014/main" id="{879151D6-946F-4ECA-8E97-D55D9DB7DC66}"/>
+                  <a16:creationId xmlns:a16="http://schemas.microsoft.com/office/drawing/2014/main" xmlns="" id="{879151D6-946F-4ECA-8E97-D55D9DB7DC66}"/>
                 </a:ext>
               </a:extLst>
             </p:cNvPr>
@@ -12683,7 +13822,7 @@
               <p:cNvPr id="19" name="Arrondir un rectangle avec un coin du même côté 442">
                 <a:extLst>
                   <a:ext uri="{FF2B5EF4-FFF2-40B4-BE49-F238E27FC236}">
-                    <a16:creationId xmlns="" xmlns:a16="http://schemas.microsoft.com/office/drawing/2014/main" id="{EEB39DA7-20AC-405C-87A7-17DF97D14098}"/>
+                    <a16:creationId xmlns:a16="http://schemas.microsoft.com/office/drawing/2014/main" xmlns="" id="{EEB39DA7-20AC-405C-87A7-17DF97D14098}"/>
                   </a:ext>
                 </a:extLst>
               </p:cNvPr>
@@ -12738,7 +13877,7 @@
               <p:cNvPr id="20" name="Rectangle 19">
                 <a:extLst>
                   <a:ext uri="{FF2B5EF4-FFF2-40B4-BE49-F238E27FC236}">
-                    <a16:creationId xmlns="" xmlns:a16="http://schemas.microsoft.com/office/drawing/2014/main" id="{3E9CF19E-3512-4DDC-9C5A-8A730EEF2EEA}"/>
+                    <a16:creationId xmlns:a16="http://schemas.microsoft.com/office/drawing/2014/main" xmlns="" id="{3E9CF19E-3512-4DDC-9C5A-8A730EEF2EEA}"/>
                   </a:ext>
                 </a:extLst>
               </p:cNvPr>
@@ -12797,7 +13936,7 @@
           <p:cNvPr id="21" name="Forme libre 1">
             <a:extLst>
               <a:ext uri="{FF2B5EF4-FFF2-40B4-BE49-F238E27FC236}">
-                <a16:creationId xmlns="" xmlns:a16="http://schemas.microsoft.com/office/drawing/2014/main" id="{F5B26606-95CD-4026-8BBD-1F37D70A8AB4}"/>
+                <a16:creationId xmlns:a16="http://schemas.microsoft.com/office/drawing/2014/main" xmlns="" id="{F5B26606-95CD-4026-8BBD-1F37D70A8AB4}"/>
               </a:ext>
             </a:extLst>
           </p:cNvPr>
@@ -14517,7 +15656,7 @@
           <p:cNvPr id="22" name="Forme libre 1">
             <a:extLst>
               <a:ext uri="{FF2B5EF4-FFF2-40B4-BE49-F238E27FC236}">
-                <a16:creationId xmlns="" xmlns:a16="http://schemas.microsoft.com/office/drawing/2014/main" id="{4DC4D77A-16A4-439B-9399-0FB2A93DAFBD}"/>
+                <a16:creationId xmlns:a16="http://schemas.microsoft.com/office/drawing/2014/main" xmlns="" id="{4DC4D77A-16A4-439B-9399-0FB2A93DAFBD}"/>
               </a:ext>
             </a:extLst>
           </p:cNvPr>
@@ -16237,7 +17376,7 @@
           <p:cNvPr id="23" name="Triangle isocèle 22">
             <a:extLst>
               <a:ext uri="{FF2B5EF4-FFF2-40B4-BE49-F238E27FC236}">
-                <a16:creationId xmlns="" xmlns:a16="http://schemas.microsoft.com/office/drawing/2014/main" id="{3B5CE0DF-C14D-485B-BDE7-9EA3B63A3FF9}"/>
+                <a16:creationId xmlns:a16="http://schemas.microsoft.com/office/drawing/2014/main" xmlns="" id="{3B5CE0DF-C14D-485B-BDE7-9EA3B63A3FF9}"/>
               </a:ext>
             </a:extLst>
           </p:cNvPr>
@@ -16295,7 +17434,7 @@
               <p:cNvPr id="25" name="ZoneTexte 24">
                 <a:extLst>
                   <a:ext uri="{FF2B5EF4-FFF2-40B4-BE49-F238E27FC236}">
-                    <a16:creationId xmlns="" xmlns:a16="http://schemas.microsoft.com/office/drawing/2014/main" id="{2E6C1861-FE6C-4103-B53F-C22BABC941D3}"/>
+                    <a16:creationId xmlns:a16="http://schemas.microsoft.com/office/drawing/2014/main" xmlns="" id="{2E6C1861-FE6C-4103-B53F-C22BABC941D3}"/>
                   </a:ext>
                 </a:extLst>
               </p:cNvPr>
@@ -16323,7 +17462,7 @@
                   <a:t>Prélèvement de </a:t>
                 </a:r>
                 <a14:m>
-                  <m:oMath xmlns="" xmlns:m="http://schemas.openxmlformats.org/officeDocument/2006/math">
+                  <m:oMath xmlns:m="http://schemas.openxmlformats.org/officeDocument/2006/math" xmlns="">
                     <m:r>
                       <a:rPr lang="fr-FR" b="0" i="1" smtClean="0">
                         <a:latin typeface="Cambria Math" panose="02040503050406030204" pitchFamily="18" charset="0"/>
@@ -16405,7 +17544,7 @@
           <p:cNvPr id="3" name="ZoneTexte 2">
             <a:extLst>
               <a:ext uri="{FF2B5EF4-FFF2-40B4-BE49-F238E27FC236}">
-                <a16:creationId xmlns="" xmlns:a16="http://schemas.microsoft.com/office/drawing/2014/main" id="{9CF70585-0416-4B79-AB97-D40AF367324E}"/>
+                <a16:creationId xmlns:a16="http://schemas.microsoft.com/office/drawing/2014/main" xmlns="" id="{9CF70585-0416-4B79-AB97-D40AF367324E}"/>
               </a:ext>
             </a:extLst>
           </p:cNvPr>
@@ -16445,7 +17584,7 @@
         <p:spPr>
           <a:xfrm>
             <a:off x="5692403" y="2019533"/>
-            <a:ext cx="2351926" cy="923330"/>
+            <a:ext cx="2133918" cy="923330"/>
           </a:xfrm>
           <a:prstGeom prst="rect">
             <a:avLst/>
@@ -16486,15 +17625,23 @@
             </a:r>
             <a:r>
               <a:rPr lang="fr-FR" dirty="0" smtClean="0"/>
-              <a:t>, C=2x10</a:t>
+              <a:t>, C</a:t>
+            </a:r>
+            <a:r>
+              <a:rPr lang="fr-FR" dirty="0" smtClean="0"/>
+              <a:t>=10</a:t>
             </a:r>
             <a:r>
               <a:rPr lang="fr-FR" baseline="30000" dirty="0" smtClean="0"/>
-              <a:t>-2</a:t>
+              <a:t>-1</a:t>
             </a:r>
             <a:r>
               <a:rPr lang="fr-FR" dirty="0" smtClean="0"/>
-              <a:t> mol/L</a:t>
+              <a:t> </a:t>
+            </a:r>
+            <a:r>
+              <a:rPr lang="fr-FR" dirty="0" smtClean="0"/>
+              <a:t>mol/L</a:t>
             </a:r>
           </a:p>
           <a:p>
@@ -16584,7 +17731,7 @@
           <p:cNvPr id="26" name="Grouper 482">
             <a:extLst>
               <a:ext uri="{FF2B5EF4-FFF2-40B4-BE49-F238E27FC236}">
-                <a16:creationId xmlns="" xmlns:a16="http://schemas.microsoft.com/office/drawing/2014/main" id="{34240D56-911B-4CFA-9968-A669E24FDAD0}"/>
+                <a16:creationId xmlns:a16="http://schemas.microsoft.com/office/drawing/2014/main" xmlns="" id="{34240D56-911B-4CFA-9968-A669E24FDAD0}"/>
               </a:ext>
             </a:extLst>
           </p:cNvPr>
@@ -16604,7 +17751,7 @@
             <p:cNvPr id="27" name="Grouper 483">
               <a:extLst>
                 <a:ext uri="{FF2B5EF4-FFF2-40B4-BE49-F238E27FC236}">
-                  <a16:creationId xmlns="" xmlns:a16="http://schemas.microsoft.com/office/drawing/2014/main" id="{FA137963-9C44-46EF-96C5-56BA88E354C3}"/>
+                  <a16:creationId xmlns:a16="http://schemas.microsoft.com/office/drawing/2014/main" xmlns="" id="{FA137963-9C44-46EF-96C5-56BA88E354C3}"/>
                 </a:ext>
               </a:extLst>
             </p:cNvPr>
@@ -16624,7 +17771,7 @@
               <p:cNvPr id="29" name="Arrondir un rectangle avec un coin du même côté 484">
                 <a:extLst>
                   <a:ext uri="{FF2B5EF4-FFF2-40B4-BE49-F238E27FC236}">
-                    <a16:creationId xmlns="" xmlns:a16="http://schemas.microsoft.com/office/drawing/2014/main" id="{F34F0D50-ED40-4BF6-A55E-BA99A83BB542}"/>
+                    <a16:creationId xmlns:a16="http://schemas.microsoft.com/office/drawing/2014/main" xmlns="" id="{F34F0D50-ED40-4BF6-A55E-BA99A83BB542}"/>
                   </a:ext>
                 </a:extLst>
               </p:cNvPr>
@@ -16679,7 +17826,7 @@
               <p:cNvPr id="30" name="Arrondir un rectangle avec un coin du même côté 485">
                 <a:extLst>
                   <a:ext uri="{FF2B5EF4-FFF2-40B4-BE49-F238E27FC236}">
-                    <a16:creationId xmlns="" xmlns:a16="http://schemas.microsoft.com/office/drawing/2014/main" id="{5C30B27A-F160-4597-A9AA-A52024EB204C}"/>
+                    <a16:creationId xmlns:a16="http://schemas.microsoft.com/office/drawing/2014/main" xmlns="" id="{5C30B27A-F160-4597-A9AA-A52024EB204C}"/>
                   </a:ext>
                 </a:extLst>
               </p:cNvPr>
@@ -16735,7 +17882,7 @@
             <p:cNvPr id="28" name="Rectangle 27">
               <a:extLst>
                 <a:ext uri="{FF2B5EF4-FFF2-40B4-BE49-F238E27FC236}">
-                  <a16:creationId xmlns="" xmlns:a16="http://schemas.microsoft.com/office/drawing/2014/main" id="{081AD546-F53B-4040-A86E-81B8C1641462}"/>
+                  <a16:creationId xmlns:a16="http://schemas.microsoft.com/office/drawing/2014/main" xmlns="" id="{081AD546-F53B-4040-A86E-81B8C1641462}"/>
                 </a:ext>
               </a:extLst>
             </p:cNvPr>
@@ -16793,7 +17940,7 @@
           <p:cNvPr id="31" name="Connecteur droit avec flèche 30">
             <a:extLst>
               <a:ext uri="{FF2B5EF4-FFF2-40B4-BE49-F238E27FC236}">
-                <a16:creationId xmlns="" xmlns:a16="http://schemas.microsoft.com/office/drawing/2014/main" id="{403D0EDB-01D1-4C67-B394-8670C7AA4C6B}"/>
+                <a16:creationId xmlns:a16="http://schemas.microsoft.com/office/drawing/2014/main" xmlns="" id="{403D0EDB-01D1-4C67-B394-8670C7AA4C6B}"/>
               </a:ext>
             </a:extLst>
           </p:cNvPr>
@@ -16839,7 +17986,7 @@
               <p:cNvPr id="32" name="ZoneTexte 31">
                 <a:extLst>
                   <a:ext uri="{FF2B5EF4-FFF2-40B4-BE49-F238E27FC236}">
-                    <a16:creationId xmlns="" xmlns:a16="http://schemas.microsoft.com/office/drawing/2014/main" id="{14368752-E1FD-41CB-9EAF-5384582DA869}"/>
+                    <a16:creationId xmlns:a16="http://schemas.microsoft.com/office/drawing/2014/main" xmlns="" id="{14368752-E1FD-41CB-9EAF-5384582DA869}"/>
                   </a:ext>
                 </a:extLst>
               </p:cNvPr>
@@ -16872,7 +18019,7 @@
                   <a:t>Bain thermostaté à </a:t>
                 </a:r>
                 <a14:m>
-                  <m:oMath xmlns="" xmlns:m="http://schemas.openxmlformats.org/officeDocument/2006/math">
+                  <m:oMath xmlns:m="http://schemas.openxmlformats.org/officeDocument/2006/math" xmlns="">
                     <m:r>
                       <a:rPr lang="fr-FR" b="0" i="1" smtClean="0">
                         <a:latin typeface="Cambria Math" panose="02040503050406030204" pitchFamily="18" charset="0"/>
@@ -16941,7 +18088,7 @@
           <p:cNvPr id="24" name="Flèche : demi-tour 23">
             <a:extLst>
               <a:ext uri="{FF2B5EF4-FFF2-40B4-BE49-F238E27FC236}">
-                <a16:creationId xmlns="" xmlns:a16="http://schemas.microsoft.com/office/drawing/2014/main" id="{ADE0E6AF-D5E6-45CF-8A2A-488544A770EF}"/>
+                <a16:creationId xmlns:a16="http://schemas.microsoft.com/office/drawing/2014/main" xmlns="" id="{ADE0E6AF-D5E6-45CF-8A2A-488544A770EF}"/>
               </a:ext>
             </a:extLst>
           </p:cNvPr>
@@ -17326,7 +18473,7 @@
   <a:extraClrSchemeLst/>
   <a:extLst>
     <a:ext uri="{05A4C25C-085E-4340-85A3-A5531E510DB2}">
-      <thm15:themeFamily xmlns="" xmlns:thm15="http://schemas.microsoft.com/office/thememl/2012/main" name="Retrospect" id="{5F128B03-DCCA-4EEB-AB3B-CF2899314A46}" vid="{D26EA377-59BD-4C9C-9D94-EE8416EE4C79}"/>
+      <thm15:themeFamily xmlns:thm15="http://schemas.microsoft.com/office/thememl/2012/main" xmlns="" name="Retrospect" id="{5F128B03-DCCA-4EEB-AB3B-CF2899314A46}" vid="{D26EA377-59BD-4C9C-9D94-EE8416EE4C79}"/>
     </a:ext>
   </a:extLst>
 </a:theme>
@@ -17621,7 +18768,7 @@
   <a:extraClrSchemeLst/>
   <a:extLst>
     <a:ext uri="{05A4C25C-085E-4340-85A3-A5531E510DB2}">
-      <thm15:themeFamily xmlns="" xmlns:thm15="http://schemas.microsoft.com/office/thememl/2012/main" name="Office Theme" id="{62F939B6-93AF-4DB8-9C6B-D6C7DFDC589F}" vid="{4A3C46E8-61CC-4603-A589-7422A47A8E4A}"/>
+      <thm15:themeFamily xmlns:thm15="http://schemas.microsoft.com/office/thememl/2012/main" xmlns="" name="Office Theme" id="{62F939B6-93AF-4DB8-9C6B-D6C7DFDC589F}" vid="{4A3C46E8-61CC-4603-A589-7422A47A8E4A}"/>
     </a:ext>
   </a:extLst>
 </a:theme>
